--- a/Materialize (framework).pptx
+++ b/Materialize (framework).pptx
@@ -125,12 +125,12 @@
   <pc:docChgLst>
     <pc:chgData name="fandresena misaina" userId="4469e9f1526a7283" providerId="LiveId" clId="{6D973C92-342B-4716-B7A3-352B80A52777}"/>
     <pc:docChg chg="undo custSel addSld delSld modSld">
-      <pc:chgData name="fandresena misaina" userId="4469e9f1526a7283" providerId="LiveId" clId="{6D973C92-342B-4716-B7A3-352B80A52777}" dt="2025-11-25T07:31:26.893" v="423" actId="5793"/>
+      <pc:chgData name="fandresena misaina" userId="4469e9f1526a7283" providerId="LiveId" clId="{6D973C92-342B-4716-B7A3-352B80A52777}" dt="2025-11-26T06:33:33.596" v="464"/>
       <pc:docMkLst>
         <pc:docMk/>
       </pc:docMkLst>
-      <pc:sldChg chg="modSp mod">
-        <pc:chgData name="fandresena misaina" userId="4469e9f1526a7283" providerId="LiveId" clId="{6D973C92-342B-4716-B7A3-352B80A52777}" dt="2025-11-24T18:49:16.091" v="5" actId="120"/>
+      <pc:sldChg chg="modSp mod modTransition">
+        <pc:chgData name="fandresena misaina" userId="4469e9f1526a7283" providerId="LiveId" clId="{6D973C92-342B-4716-B7A3-352B80A52777}" dt="2025-11-26T06:32:03.239" v="453"/>
         <pc:sldMkLst>
           <pc:docMk/>
           <pc:sldMk cId="3205481205" sldId="256"/>
@@ -144,8 +144,8 @@
           </ac:spMkLst>
         </pc:spChg>
       </pc:sldChg>
-      <pc:sldChg chg="modSp new mod">
-        <pc:chgData name="fandresena misaina" userId="4469e9f1526a7283" providerId="LiveId" clId="{6D973C92-342B-4716-B7A3-352B80A52777}" dt="2025-11-24T18:51:25.714" v="51" actId="403"/>
+      <pc:sldChg chg="modSp new mod modTransition">
+        <pc:chgData name="fandresena misaina" userId="4469e9f1526a7283" providerId="LiveId" clId="{6D973C92-342B-4716-B7A3-352B80A52777}" dt="2025-11-26T06:27:25.638" v="431"/>
         <pc:sldMkLst>
           <pc:docMk/>
           <pc:sldMk cId="1150588051" sldId="257"/>
@@ -167,8 +167,8 @@
           </ac:spMkLst>
         </pc:spChg>
       </pc:sldChg>
-      <pc:sldChg chg="modSp new mod">
-        <pc:chgData name="fandresena misaina" userId="4469e9f1526a7283" providerId="LiveId" clId="{6D973C92-342B-4716-B7A3-352B80A52777}" dt="2025-11-24T18:53:01.350" v="87" actId="27636"/>
+      <pc:sldChg chg="modSp new mod modTransition">
+        <pc:chgData name="fandresena misaina" userId="4469e9f1526a7283" providerId="LiveId" clId="{6D973C92-342B-4716-B7A3-352B80A52777}" dt="2025-11-26T06:27:29.157" v="432"/>
         <pc:sldMkLst>
           <pc:docMk/>
           <pc:sldMk cId="2801642791" sldId="258"/>
@@ -190,8 +190,8 @@
           </ac:spMkLst>
         </pc:spChg>
       </pc:sldChg>
-      <pc:sldChg chg="modSp new mod">
-        <pc:chgData name="fandresena misaina" userId="4469e9f1526a7283" providerId="LiveId" clId="{6D973C92-342B-4716-B7A3-352B80A52777}" dt="2025-11-24T19:06:31.511" v="390" actId="113"/>
+      <pc:sldChg chg="modSp new mod modTransition">
+        <pc:chgData name="fandresena misaina" userId="4469e9f1526a7283" providerId="LiveId" clId="{6D973C92-342B-4716-B7A3-352B80A52777}" dt="2025-11-26T06:27:37.130" v="434"/>
         <pc:sldMkLst>
           <pc:docMk/>
           <pc:sldMk cId="1233020533" sldId="259"/>
@@ -213,20 +213,12 @@
           </ac:spMkLst>
         </pc:spChg>
       </pc:sldChg>
-      <pc:sldChg chg="delSp modSp new mod">
-        <pc:chgData name="fandresena misaina" userId="4469e9f1526a7283" providerId="LiveId" clId="{6D973C92-342B-4716-B7A3-352B80A52777}" dt="2025-11-24T19:05:27.256" v="381" actId="115"/>
+      <pc:sldChg chg="delSp modSp new mod modTransition">
+        <pc:chgData name="fandresena misaina" userId="4469e9f1526a7283" providerId="LiveId" clId="{6D973C92-342B-4716-B7A3-352B80A52777}" dt="2025-11-26T06:27:44.917" v="435"/>
         <pc:sldMkLst>
           <pc:docMk/>
           <pc:sldMk cId="1231395144" sldId="260"/>
         </pc:sldMkLst>
-        <pc:spChg chg="del">
-          <ac:chgData name="fandresena misaina" userId="4469e9f1526a7283" providerId="LiveId" clId="{6D973C92-342B-4716-B7A3-352B80A52777}" dt="2025-11-24T18:57:46.786" v="172" actId="478"/>
-          <ac:spMkLst>
-            <pc:docMk/>
-            <pc:sldMk cId="1231395144" sldId="260"/>
-            <ac:spMk id="2" creationId="{AEB7A579-25F2-DB7C-BE17-169B003E5EE9}"/>
-          </ac:spMkLst>
-        </pc:spChg>
         <pc:spChg chg="mod">
           <ac:chgData name="fandresena misaina" userId="4469e9f1526a7283" providerId="LiveId" clId="{6D973C92-342B-4716-B7A3-352B80A52777}" dt="2025-11-24T19:05:27.256" v="381" actId="115"/>
           <ac:spMkLst>
@@ -236,20 +228,12 @@
           </ac:spMkLst>
         </pc:spChg>
       </pc:sldChg>
-      <pc:sldChg chg="delSp modSp new mod">
-        <pc:chgData name="fandresena misaina" userId="4469e9f1526a7283" providerId="LiveId" clId="{6D973C92-342B-4716-B7A3-352B80A52777}" dt="2025-11-24T19:06:02.664" v="387" actId="20577"/>
+      <pc:sldChg chg="delSp modSp new mod modTransition">
+        <pc:chgData name="fandresena misaina" userId="4469e9f1526a7283" providerId="LiveId" clId="{6D973C92-342B-4716-B7A3-352B80A52777}" dt="2025-11-26T06:27:48.782" v="436"/>
         <pc:sldMkLst>
           <pc:docMk/>
           <pc:sldMk cId="402071751" sldId="261"/>
         </pc:sldMkLst>
-        <pc:spChg chg="del">
-          <ac:chgData name="fandresena misaina" userId="4469e9f1526a7283" providerId="LiveId" clId="{6D973C92-342B-4716-B7A3-352B80A52777}" dt="2025-11-24T18:59:24.296" v="197" actId="478"/>
-          <ac:spMkLst>
-            <pc:docMk/>
-            <pc:sldMk cId="402071751" sldId="261"/>
-            <ac:spMk id="2" creationId="{2BB48C1C-E591-E53D-B18E-A581816BC24F}"/>
-          </ac:spMkLst>
-        </pc:spChg>
         <pc:spChg chg="mod">
           <ac:chgData name="fandresena misaina" userId="4469e9f1526a7283" providerId="LiveId" clId="{6D973C92-342B-4716-B7A3-352B80A52777}" dt="2025-11-24T19:06:02.664" v="387" actId="20577"/>
           <ac:spMkLst>
@@ -259,20 +243,12 @@
           </ac:spMkLst>
         </pc:spChg>
       </pc:sldChg>
-      <pc:sldChg chg="addSp delSp modSp new mod">
-        <pc:chgData name="fandresena misaina" userId="4469e9f1526a7283" providerId="LiveId" clId="{6D973C92-342B-4716-B7A3-352B80A52777}" dt="2025-11-24T19:07:03.726" v="399" actId="20577"/>
+      <pc:sldChg chg="addSp delSp modSp new mod modTransition">
+        <pc:chgData name="fandresena misaina" userId="4469e9f1526a7283" providerId="LiveId" clId="{6D973C92-342B-4716-B7A3-352B80A52777}" dt="2025-11-26T06:30:29.166" v="447"/>
         <pc:sldMkLst>
           <pc:docMk/>
           <pc:sldMk cId="605218699" sldId="262"/>
         </pc:sldMkLst>
-        <pc:spChg chg="del">
-          <ac:chgData name="fandresena misaina" userId="4469e9f1526a7283" providerId="LiveId" clId="{6D973C92-342B-4716-B7A3-352B80A52777}" dt="2025-11-24T19:00:39.814" v="226" actId="478"/>
-          <ac:spMkLst>
-            <pc:docMk/>
-            <pc:sldMk cId="605218699" sldId="262"/>
-            <ac:spMk id="2" creationId="{8745B438-AD1F-7261-F761-71016AC125DF}"/>
-          </ac:spMkLst>
-        </pc:spChg>
         <pc:spChg chg="mod">
           <ac:chgData name="fandresena misaina" userId="4469e9f1526a7283" providerId="LiveId" clId="{6D973C92-342B-4716-B7A3-352B80A52777}" dt="2025-11-24T19:07:03.726" v="399" actId="20577"/>
           <ac:spMkLst>
@@ -281,29 +257,13 @@
             <ac:spMk id="3" creationId="{F43C2E7E-109F-286E-AA89-928E72FD28F3}"/>
           </ac:spMkLst>
         </pc:spChg>
-        <pc:spChg chg="add del mod">
-          <ac:chgData name="fandresena misaina" userId="4469e9f1526a7283" providerId="LiveId" clId="{6D973C92-342B-4716-B7A3-352B80A52777}" dt="2025-11-24T19:02:42.722" v="296" actId="22"/>
-          <ac:spMkLst>
-            <pc:docMk/>
-            <pc:sldMk cId="605218699" sldId="262"/>
-            <ac:spMk id="5" creationId="{EB2305A0-AD3C-5A24-EA51-65B184AB23AB}"/>
-          </ac:spMkLst>
-        </pc:spChg>
       </pc:sldChg>
-      <pc:sldChg chg="delSp modSp new mod">
-        <pc:chgData name="fandresena misaina" userId="4469e9f1526a7283" providerId="LiveId" clId="{6D973C92-342B-4716-B7A3-352B80A52777}" dt="2025-11-24T19:07:28.153" v="403" actId="113"/>
+      <pc:sldChg chg="delSp modSp new mod modTransition">
+        <pc:chgData name="fandresena misaina" userId="4469e9f1526a7283" providerId="LiveId" clId="{6D973C92-342B-4716-B7A3-352B80A52777}" dt="2025-11-26T06:33:33.596" v="464"/>
         <pc:sldMkLst>
           <pc:docMk/>
           <pc:sldMk cId="3920725116" sldId="263"/>
         </pc:sldMkLst>
-        <pc:spChg chg="del">
-          <ac:chgData name="fandresena misaina" userId="4469e9f1526a7283" providerId="LiveId" clId="{6D973C92-342B-4716-B7A3-352B80A52777}" dt="2025-11-24T19:04:03.599" v="345" actId="478"/>
-          <ac:spMkLst>
-            <pc:docMk/>
-            <pc:sldMk cId="3920725116" sldId="263"/>
-            <ac:spMk id="2" creationId="{465491FF-951C-E852-2E47-59B7828272E0}"/>
-          </ac:spMkLst>
-        </pc:spChg>
         <pc:spChg chg="mod">
           <ac:chgData name="fandresena misaina" userId="4469e9f1526a7283" providerId="LiveId" clId="{6D973C92-342B-4716-B7A3-352B80A52777}" dt="2025-11-24T19:07:28.153" v="403" actId="113"/>
           <ac:spMkLst>
@@ -313,8 +273,8 @@
           </ac:spMkLst>
         </pc:spChg>
       </pc:sldChg>
-      <pc:sldChg chg="delSp modSp new mod">
-        <pc:chgData name="fandresena misaina" userId="4469e9f1526a7283" providerId="LiveId" clId="{6D973C92-342B-4716-B7A3-352B80A52777}" dt="2025-11-25T07:31:26.893" v="423" actId="5793"/>
+      <pc:sldChg chg="delSp modSp new mod modTransition">
+        <pc:chgData name="fandresena misaina" userId="4469e9f1526a7283" providerId="LiveId" clId="{6D973C92-342B-4716-B7A3-352B80A52777}" dt="2025-11-26T06:28:14.193" v="439"/>
         <pc:sldMkLst>
           <pc:docMk/>
           <pc:sldMk cId="370129303" sldId="264"/>
@@ -1576,7 +1536,7 @@
             <a:fld id="{9334D819-9F07-4261-B09B-9E467E5D9002}" type="datetimeFigureOut">
               <a:rPr lang="en-US" dirty="0"/>
               <a:pPr/>
-              <a:t>11/25/2025</a:t>
+              <a:t>11/26/2025</a:t>
             </a:fld>
             <a:endParaRPr lang="en-US" dirty="0"/>
           </a:p>
@@ -1810,7 +1770,7 @@
           <a:p>
             <a:fld id="{9334D819-9F07-4261-B09B-9E467E5D9002}" type="datetimeFigureOut">
               <a:rPr lang="en-US" dirty="0"/>
-              <a:t>11/25/2025</a:t>
+              <a:t>11/26/2025</a:t>
             </a:fld>
             <a:endParaRPr lang="en-US" dirty="0"/>
           </a:p>
@@ -1985,7 +1945,7 @@
           <a:p>
             <a:fld id="{9334D819-9F07-4261-B09B-9E467E5D9002}" type="datetimeFigureOut">
               <a:rPr lang="en-US" dirty="0"/>
-              <a:t>11/25/2025</a:t>
+              <a:t>11/26/2025</a:t>
             </a:fld>
             <a:endParaRPr lang="en-US" dirty="0"/>
           </a:p>
@@ -2150,7 +2110,7 @@
           <a:p>
             <a:fld id="{9334D819-9F07-4261-B09B-9E467E5D9002}" type="datetimeFigureOut">
               <a:rPr lang="en-US" dirty="0"/>
-              <a:t>11/25/2025</a:t>
+              <a:t>11/26/2025</a:t>
             </a:fld>
             <a:endParaRPr lang="en-US" dirty="0"/>
           </a:p>
@@ -2422,7 +2382,7 @@
             <a:fld id="{9334D819-9F07-4261-B09B-9E467E5D9002}" type="datetimeFigureOut">
               <a:rPr lang="en-US" dirty="0"/>
               <a:pPr/>
-              <a:t>11/25/2025</a:t>
+              <a:t>11/26/2025</a:t>
             </a:fld>
             <a:endParaRPr lang="en-US" dirty="0"/>
           </a:p>
@@ -3619,7 +3579,7 @@
           <a:p>
             <a:fld id="{9334D819-9F07-4261-B09B-9E467E5D9002}" type="datetimeFigureOut">
               <a:rPr lang="en-US" dirty="0"/>
-              <a:t>11/25/2025</a:t>
+              <a:t>11/26/2025</a:t>
             </a:fld>
             <a:endParaRPr lang="en-US" dirty="0"/>
           </a:p>
@@ -4004,7 +3964,7 @@
           <a:p>
             <a:fld id="{9334D819-9F07-4261-B09B-9E467E5D9002}" type="datetimeFigureOut">
               <a:rPr lang="en-US" dirty="0"/>
-              <a:t>11/25/2025</a:t>
+              <a:t>11/26/2025</a:t>
             </a:fld>
             <a:endParaRPr lang="en-US" dirty="0"/>
           </a:p>
@@ -4122,7 +4082,7 @@
           <a:p>
             <a:fld id="{9334D819-9F07-4261-B09B-9E467E5D9002}" type="datetimeFigureOut">
               <a:rPr lang="en-US" dirty="0"/>
-              <a:t>11/25/2025</a:t>
+              <a:t>11/26/2025</a:t>
             </a:fld>
             <a:endParaRPr lang="en-US" dirty="0"/>
           </a:p>
@@ -4212,7 +4172,7 @@
           <a:p>
             <a:fld id="{9334D819-9F07-4261-B09B-9E467E5D9002}" type="datetimeFigureOut">
               <a:rPr lang="en-US" dirty="0"/>
-              <a:t>11/25/2025</a:t>
+              <a:t>11/26/2025</a:t>
             </a:fld>
             <a:endParaRPr lang="en-US" dirty="0"/>
           </a:p>
@@ -4970,7 +4930,7 @@
           <a:p>
             <a:fld id="{9334D819-9F07-4261-B09B-9E467E5D9002}" type="datetimeFigureOut">
               <a:rPr lang="en-US" dirty="0"/>
-              <a:t>11/25/2025</a:t>
+              <a:t>11/26/2025</a:t>
             </a:fld>
             <a:endParaRPr lang="en-US" dirty="0"/>
           </a:p>
@@ -5805,7 +5765,7 @@
           <a:p>
             <a:fld id="{9334D819-9F07-4261-B09B-9E467E5D9002}" type="datetimeFigureOut">
               <a:rPr lang="en-US" dirty="0"/>
-              <a:t>11/25/2025</a:t>
+              <a:t>11/26/2025</a:t>
             </a:fld>
             <a:endParaRPr lang="en-US" dirty="0"/>
           </a:p>
@@ -6028,7 +5988,7 @@
             <a:fld id="{9334D819-9F07-4261-B09B-9E467E5D9002}" type="datetimeFigureOut">
               <a:rPr lang="en-US" dirty="0"/>
               <a:pPr/>
-              <a:t>11/25/2025</a:t>
+              <a:t>11/26/2025</a:t>
             </a:fld>
             <a:endParaRPr lang="en-US" dirty="0"/>
           </a:p>
@@ -7154,6 +7114,18 @@
   <p:clrMapOvr>
     <a:masterClrMapping/>
   </p:clrMapOvr>
+  <mc:AlternateContent xmlns:mc="http://schemas.openxmlformats.org/markup-compatibility/2006">
+    <mc:Choice xmlns:p15="http://schemas.microsoft.com/office/powerpoint/2012/main" Requires="p15">
+      <p:transition xmlns:p14="http://schemas.microsoft.com/office/powerpoint/2010/main" spd="slow" p14:dur="1250">
+        <p15:prstTrans prst="peelOff"/>
+      </p:transition>
+    </mc:Choice>
+    <mc:Fallback>
+      <p:transition spd="slow">
+        <p:fade/>
+      </p:transition>
+    </mc:Fallback>
+  </mc:AlternateContent>
 </p:sld>
 </file>
 
@@ -7294,6 +7266,9 @@
   <p:clrMapOvr>
     <a:masterClrMapping/>
   </p:clrMapOvr>
+  <p:transition spd="slow">
+    <p:randomBar dir="vert"/>
+  </p:transition>
 </p:sld>
 </file>
 
@@ -7469,6 +7444,18 @@
   <p:clrMapOvr>
     <a:masterClrMapping/>
   </p:clrMapOvr>
+  <mc:AlternateContent xmlns:mc="http://schemas.openxmlformats.org/markup-compatibility/2006">
+    <mc:Choice xmlns:p14="http://schemas.microsoft.com/office/powerpoint/2010/main" Requires="p14">
+      <p:transition spd="slow" p14:dur="1500">
+        <p:split orient="vert"/>
+      </p:transition>
+    </mc:Choice>
+    <mc:Fallback>
+      <p:transition spd="slow">
+        <p:split orient="vert"/>
+      </p:transition>
+    </mc:Fallback>
+  </mc:AlternateContent>
 </p:sld>
 </file>
 
@@ -7686,6 +7673,18 @@
   <p:clrMapOvr>
     <a:masterClrMapping/>
   </p:clrMapOvr>
+  <mc:AlternateContent xmlns:mc="http://schemas.openxmlformats.org/markup-compatibility/2006">
+    <mc:Choice xmlns:p15="http://schemas.microsoft.com/office/powerpoint/2012/main" Requires="p15">
+      <p:transition xmlns:p14="http://schemas.microsoft.com/office/powerpoint/2010/main" spd="slow" p14:dur="1250">
+        <p15:prstTrans prst="peelOff"/>
+      </p:transition>
+    </mc:Choice>
+    <mc:Fallback>
+      <p:transition spd="slow">
+        <p:fade/>
+      </p:transition>
+    </mc:Fallback>
+  </mc:AlternateContent>
 </p:sld>
 </file>
 
@@ -7955,6 +7954,18 @@
   <p:clrMapOvr>
     <a:masterClrMapping/>
   </p:clrMapOvr>
+  <mc:AlternateContent xmlns:mc="http://schemas.openxmlformats.org/markup-compatibility/2006">
+    <mc:Choice xmlns:p14="http://schemas.microsoft.com/office/powerpoint/2010/main" Requires="p14">
+      <p:transition spd="slow" p14:dur="900">
+        <p14:warp dir="in"/>
+      </p:transition>
+    </mc:Choice>
+    <mc:Fallback>
+      <p:transition spd="slow">
+        <p:fade/>
+      </p:transition>
+    </mc:Fallback>
+  </mc:AlternateContent>
 </p:sld>
 </file>
 
@@ -8275,6 +8286,18 @@
   <p:clrMapOvr>
     <a:masterClrMapping/>
   </p:clrMapOvr>
+  <mc:AlternateContent xmlns:mc="http://schemas.openxmlformats.org/markup-compatibility/2006">
+    <mc:Choice xmlns:p14="http://schemas.microsoft.com/office/powerpoint/2010/main" Requires="p14">
+      <p:transition spd="slow" p14:dur="3400">
+        <p14:reveal/>
+      </p:transition>
+    </mc:Choice>
+    <mc:Fallback>
+      <p:transition spd="slow">
+        <p:fade/>
+      </p:transition>
+    </mc:Fallback>
+  </mc:AlternateContent>
 </p:sld>
 </file>
 
@@ -8477,6 +8500,18 @@
   <p:clrMapOvr>
     <a:masterClrMapping/>
   </p:clrMapOvr>
+  <mc:AlternateContent xmlns:mc="http://schemas.openxmlformats.org/markup-compatibility/2006">
+    <mc:Choice xmlns:p14="http://schemas.microsoft.com/office/powerpoint/2010/main" Requires="p14">
+      <p:transition spd="slow" p14:dur="2000">
+        <p14:ferris dir="l"/>
+      </p:transition>
+    </mc:Choice>
+    <mc:Fallback>
+      <p:transition spd="slow">
+        <p:fade/>
+      </p:transition>
+    </mc:Fallback>
+  </mc:AlternateContent>
 </p:sld>
 </file>
 
@@ -8732,6 +8767,9 @@
   <p:clrMapOvr>
     <a:masterClrMapping/>
   </p:clrMapOvr>
+  <p:transition spd="slow">
+    <p:wipe/>
+  </p:transition>
 </p:sld>
 </file>
 
@@ -8976,6 +9014,9 @@
   <p:clrMapOvr>
     <a:masterClrMapping/>
   </p:clrMapOvr>
+  <p:transition spd="slow">
+    <p:wheel spokes="1"/>
+  </p:transition>
 </p:sld>
 </file>
 

--- a/Materialize (framework).pptx
+++ b/Materialize (framework).pptx
@@ -125,7 +125,7 @@
   <pc:docChgLst>
     <pc:chgData name="fandresena misaina" userId="4469e9f1526a7283" providerId="LiveId" clId="{6D973C92-342B-4716-B7A3-352B80A52777}"/>
     <pc:docChg chg="undo custSel addSld delSld modSld">
-      <pc:chgData name="fandresena misaina" userId="4469e9f1526a7283" providerId="LiveId" clId="{6D973C92-342B-4716-B7A3-352B80A52777}" dt="2025-11-26T06:33:33.596" v="464"/>
+      <pc:chgData name="fandresena misaina" userId="4469e9f1526a7283" providerId="LiveId" clId="{6D973C92-342B-4716-B7A3-352B80A52777}" dt="2025-11-26T07:34:49.438" v="1416" actId="20577"/>
       <pc:docMkLst>
         <pc:docMk/>
       </pc:docMkLst>
@@ -145,7 +145,7 @@
         </pc:spChg>
       </pc:sldChg>
       <pc:sldChg chg="modSp new mod modTransition">
-        <pc:chgData name="fandresena misaina" userId="4469e9f1526a7283" providerId="LiveId" clId="{6D973C92-342B-4716-B7A3-352B80A52777}" dt="2025-11-26T06:27:25.638" v="431"/>
+        <pc:chgData name="fandresena misaina" userId="4469e9f1526a7283" providerId="LiveId" clId="{6D973C92-342B-4716-B7A3-352B80A52777}" dt="2025-11-26T07:33:26.542" v="1406"/>
         <pc:sldMkLst>
           <pc:docMk/>
           <pc:sldMk cId="1150588051" sldId="257"/>
@@ -159,7 +159,7 @@
           </ac:spMkLst>
         </pc:spChg>
         <pc:spChg chg="mod">
-          <ac:chgData name="fandresena misaina" userId="4469e9f1526a7283" providerId="LiveId" clId="{6D973C92-342B-4716-B7A3-352B80A52777}" dt="2025-11-24T18:51:25.714" v="51" actId="403"/>
+          <ac:chgData name="fandresena misaina" userId="4469e9f1526a7283" providerId="LiveId" clId="{6D973C92-342B-4716-B7A3-352B80A52777}" dt="2025-11-26T07:29:10.592" v="1321" actId="20577"/>
           <ac:spMkLst>
             <pc:docMk/>
             <pc:sldMk cId="1150588051" sldId="257"/>
@@ -168,7 +168,7 @@
         </pc:spChg>
       </pc:sldChg>
       <pc:sldChg chg="modSp new mod modTransition">
-        <pc:chgData name="fandresena misaina" userId="4469e9f1526a7283" providerId="LiveId" clId="{6D973C92-342B-4716-B7A3-352B80A52777}" dt="2025-11-26T06:27:29.157" v="432"/>
+        <pc:chgData name="fandresena misaina" userId="4469e9f1526a7283" providerId="LiveId" clId="{6D973C92-342B-4716-B7A3-352B80A52777}" dt="2025-11-26T07:33:29.604" v="1407"/>
         <pc:sldMkLst>
           <pc:docMk/>
           <pc:sldMk cId="2801642791" sldId="258"/>
@@ -191,7 +191,7 @@
         </pc:spChg>
       </pc:sldChg>
       <pc:sldChg chg="modSp new mod modTransition">
-        <pc:chgData name="fandresena misaina" userId="4469e9f1526a7283" providerId="LiveId" clId="{6D973C92-342B-4716-B7A3-352B80A52777}" dt="2025-11-26T06:27:37.130" v="434"/>
+        <pc:chgData name="fandresena misaina" userId="4469e9f1526a7283" providerId="LiveId" clId="{6D973C92-342B-4716-B7A3-352B80A52777}" dt="2025-11-26T07:33:41.861" v="1408"/>
         <pc:sldMkLst>
           <pc:docMk/>
           <pc:sldMk cId="1233020533" sldId="259"/>
@@ -205,7 +205,7 @@
           </ac:spMkLst>
         </pc:spChg>
         <pc:spChg chg="mod">
-          <ac:chgData name="fandresena misaina" userId="4469e9f1526a7283" providerId="LiveId" clId="{6D973C92-342B-4716-B7A3-352B80A52777}" dt="2025-11-24T19:06:31.511" v="390" actId="113"/>
+          <ac:chgData name="fandresena misaina" userId="4469e9f1526a7283" providerId="LiveId" clId="{6D973C92-342B-4716-B7A3-352B80A52777}" dt="2025-11-26T07:27:05.368" v="1255" actId="20577"/>
           <ac:spMkLst>
             <pc:docMk/>
             <pc:sldMk cId="1233020533" sldId="259"/>
@@ -214,13 +214,13 @@
         </pc:spChg>
       </pc:sldChg>
       <pc:sldChg chg="delSp modSp new mod modTransition">
-        <pc:chgData name="fandresena misaina" userId="4469e9f1526a7283" providerId="LiveId" clId="{6D973C92-342B-4716-B7A3-352B80A52777}" dt="2025-11-26T06:27:44.917" v="435"/>
+        <pc:chgData name="fandresena misaina" userId="4469e9f1526a7283" providerId="LiveId" clId="{6D973C92-342B-4716-B7A3-352B80A52777}" dt="2025-11-26T07:33:48.011" v="1409"/>
         <pc:sldMkLst>
           <pc:docMk/>
           <pc:sldMk cId="1231395144" sldId="260"/>
         </pc:sldMkLst>
         <pc:spChg chg="mod">
-          <ac:chgData name="fandresena misaina" userId="4469e9f1526a7283" providerId="LiveId" clId="{6D973C92-342B-4716-B7A3-352B80A52777}" dt="2025-11-24T19:05:27.256" v="381" actId="115"/>
+          <ac:chgData name="fandresena misaina" userId="4469e9f1526a7283" providerId="LiveId" clId="{6D973C92-342B-4716-B7A3-352B80A52777}" dt="2025-11-26T07:26:09.703" v="1209" actId="20577"/>
           <ac:spMkLst>
             <pc:docMk/>
             <pc:sldMk cId="1231395144" sldId="260"/>
@@ -229,13 +229,13 @@
         </pc:spChg>
       </pc:sldChg>
       <pc:sldChg chg="delSp modSp new mod modTransition">
-        <pc:chgData name="fandresena misaina" userId="4469e9f1526a7283" providerId="LiveId" clId="{6D973C92-342B-4716-B7A3-352B80A52777}" dt="2025-11-26T06:27:48.782" v="436"/>
+        <pc:chgData name="fandresena misaina" userId="4469e9f1526a7283" providerId="LiveId" clId="{6D973C92-342B-4716-B7A3-352B80A52777}" dt="2025-11-26T07:34:49.438" v="1416" actId="20577"/>
         <pc:sldMkLst>
           <pc:docMk/>
           <pc:sldMk cId="402071751" sldId="261"/>
         </pc:sldMkLst>
         <pc:spChg chg="mod">
-          <ac:chgData name="fandresena misaina" userId="4469e9f1526a7283" providerId="LiveId" clId="{6D973C92-342B-4716-B7A3-352B80A52777}" dt="2025-11-24T19:06:02.664" v="387" actId="20577"/>
+          <ac:chgData name="fandresena misaina" userId="4469e9f1526a7283" providerId="LiveId" clId="{6D973C92-342B-4716-B7A3-352B80A52777}" dt="2025-11-26T07:34:49.438" v="1416" actId="20577"/>
           <ac:spMkLst>
             <pc:docMk/>
             <pc:sldMk cId="402071751" sldId="261"/>
@@ -244,13 +244,13 @@
         </pc:spChg>
       </pc:sldChg>
       <pc:sldChg chg="addSp delSp modSp new mod modTransition">
-        <pc:chgData name="fandresena misaina" userId="4469e9f1526a7283" providerId="LiveId" clId="{6D973C92-342B-4716-B7A3-352B80A52777}" dt="2025-11-26T06:30:29.166" v="447"/>
+        <pc:chgData name="fandresena misaina" userId="4469e9f1526a7283" providerId="LiveId" clId="{6D973C92-342B-4716-B7A3-352B80A52777}" dt="2025-11-26T07:34:00.535" v="1411"/>
         <pc:sldMkLst>
           <pc:docMk/>
           <pc:sldMk cId="605218699" sldId="262"/>
         </pc:sldMkLst>
         <pc:spChg chg="mod">
-          <ac:chgData name="fandresena misaina" userId="4469e9f1526a7283" providerId="LiveId" clId="{6D973C92-342B-4716-B7A3-352B80A52777}" dt="2025-11-24T19:07:03.726" v="399" actId="20577"/>
+          <ac:chgData name="fandresena misaina" userId="4469e9f1526a7283" providerId="LiveId" clId="{6D973C92-342B-4716-B7A3-352B80A52777}" dt="2025-11-26T07:16:04.215" v="805" actId="20577"/>
           <ac:spMkLst>
             <pc:docMk/>
             <pc:sldMk cId="605218699" sldId="262"/>
@@ -259,13 +259,13 @@
         </pc:spChg>
       </pc:sldChg>
       <pc:sldChg chg="delSp modSp new mod modTransition">
-        <pc:chgData name="fandresena misaina" userId="4469e9f1526a7283" providerId="LiveId" clId="{6D973C92-342B-4716-B7A3-352B80A52777}" dt="2025-11-26T06:33:33.596" v="464"/>
+        <pc:chgData name="fandresena misaina" userId="4469e9f1526a7283" providerId="LiveId" clId="{6D973C92-342B-4716-B7A3-352B80A52777}" dt="2025-11-26T07:18:39.122" v="952" actId="20577"/>
         <pc:sldMkLst>
           <pc:docMk/>
           <pc:sldMk cId="3920725116" sldId="263"/>
         </pc:sldMkLst>
         <pc:spChg chg="mod">
-          <ac:chgData name="fandresena misaina" userId="4469e9f1526a7283" providerId="LiveId" clId="{6D973C92-342B-4716-B7A3-352B80A52777}" dt="2025-11-24T19:07:28.153" v="403" actId="113"/>
+          <ac:chgData name="fandresena misaina" userId="4469e9f1526a7283" providerId="LiveId" clId="{6D973C92-342B-4716-B7A3-352B80A52777}" dt="2025-11-26T07:18:39.122" v="952" actId="20577"/>
           <ac:spMkLst>
             <pc:docMk/>
             <pc:sldMk cId="3920725116" sldId="263"/>
@@ -274,7 +274,7 @@
         </pc:spChg>
       </pc:sldChg>
       <pc:sldChg chg="delSp modSp new mod modTransition">
-        <pc:chgData name="fandresena misaina" userId="4469e9f1526a7283" providerId="LiveId" clId="{6D973C92-342B-4716-B7A3-352B80A52777}" dt="2025-11-26T06:28:14.193" v="439"/>
+        <pc:chgData name="fandresena misaina" userId="4469e9f1526a7283" providerId="LiveId" clId="{6D973C92-342B-4716-B7A3-352B80A52777}" dt="2025-11-26T07:34:10.096" v="1412"/>
         <pc:sldMkLst>
           <pc:docMk/>
           <pc:sldMk cId="370129303" sldId="264"/>
@@ -288,7 +288,7 @@
           </ac:spMkLst>
         </pc:spChg>
         <pc:spChg chg="mod">
-          <ac:chgData name="fandresena misaina" userId="4469e9f1526a7283" providerId="LiveId" clId="{6D973C92-342B-4716-B7A3-352B80A52777}" dt="2025-11-25T07:31:26.893" v="423" actId="5793"/>
+          <ac:chgData name="fandresena misaina" userId="4469e9f1526a7283" providerId="LiveId" clId="{6D973C92-342B-4716-B7A3-352B80A52777}" dt="2025-11-26T07:31:01.524" v="1405" actId="20577"/>
           <ac:spMkLst>
             <pc:docMk/>
             <pc:sldMk cId="370129303" sldId="264"/>
@@ -7114,13 +7114,13 @@
   <p:clrMapOvr>
     <a:masterClrMapping/>
   </p:clrMapOvr>
-  <mc:AlternateContent xmlns:mc="http://schemas.openxmlformats.org/markup-compatibility/2006">
-    <mc:Choice xmlns:p15="http://schemas.microsoft.com/office/powerpoint/2012/main" Requires="p15">
+  <mc:AlternateContent xmlns:mc="http://schemas.openxmlformats.org/markup-compatibility/2006" xmlns:p15="http://schemas.microsoft.com/office/powerpoint/2012/main">
+    <mc:Choice Requires="p15">
       <p:transition xmlns:p14="http://schemas.microsoft.com/office/powerpoint/2010/main" spd="slow" p14:dur="1250">
         <p15:prstTrans prst="peelOff"/>
       </p:transition>
     </mc:Choice>
-    <mc:Fallback>
+    <mc:Fallback xmlns="">
       <p:transition spd="slow">
         <p:fade/>
       </p:transition>
@@ -7231,7 +7231,24 @@
             </a:r>
             <a:r>
               <a:rPr lang="fr-MG" sz="3600" dirty="0"/>
-              <a:t> CSS/JavaScript. </a:t>
+              <a:t> </a:t>
+            </a:r>
+            <a:r>
+              <a:rPr lang="fr-FR" sz="3600" dirty="0"/>
+              <a:t>    </a:t>
+            </a:r>
+          </a:p>
+          <a:p>
+            <a:pPr marL="0" indent="0">
+              <a:buNone/>
+            </a:pPr>
+            <a:r>
+              <a:rPr lang="fr-FR" sz="3600" dirty="0"/>
+              <a:t>      </a:t>
+            </a:r>
+            <a:r>
+              <a:rPr lang="fr-MG" sz="3600" dirty="0"/>
+              <a:t>CSS/JavaScript. </a:t>
             </a:r>
           </a:p>
           <a:p>
@@ -7245,7 +7262,24 @@
             </a:r>
             <a:r>
               <a:rPr lang="fr-MG" sz="3600" dirty="0"/>
-              <a:t> Design, le langage de design de Google. </a:t>
+              <a:t> Design, le </a:t>
+            </a:r>
+            <a:r>
+              <a:rPr lang="fr-FR" sz="3600" dirty="0"/>
+              <a:t>  </a:t>
+            </a:r>
+          </a:p>
+          <a:p>
+            <a:pPr marL="0" indent="0">
+              <a:buNone/>
+            </a:pPr>
+            <a:r>
+              <a:rPr lang="fr-FR" sz="3600" dirty="0"/>
+              <a:t>      </a:t>
+            </a:r>
+            <a:r>
+              <a:rPr lang="fr-MG" sz="3600" dirty="0"/>
+              <a:t>langage de design de Google. </a:t>
             </a:r>
           </a:p>
           <a:p>
@@ -7267,7 +7301,7 @@
     <a:masterClrMapping/>
   </p:clrMapOvr>
   <p:transition spd="slow">
-    <p:randomBar dir="vert"/>
+    <p:wipe/>
   </p:transition>
 </p:sld>
 </file>
@@ -7444,18 +7478,9 @@
   <p:clrMapOvr>
     <a:masterClrMapping/>
   </p:clrMapOvr>
-  <mc:AlternateContent xmlns:mc="http://schemas.openxmlformats.org/markup-compatibility/2006">
-    <mc:Choice xmlns:p14="http://schemas.microsoft.com/office/powerpoint/2010/main" Requires="p14">
-      <p:transition spd="slow" p14:dur="1500">
-        <p:split orient="vert"/>
-      </p:transition>
-    </mc:Choice>
-    <mc:Fallback>
-      <p:transition spd="slow">
-        <p:split orient="vert"/>
-      </p:transition>
-    </mc:Fallback>
-  </mc:AlternateContent>
+  <p:transition spd="slow">
+    <p:wipe/>
+  </p:transition>
 </p:sld>
 </file>
 
@@ -7563,7 +7588,15 @@
           <a:p>
             <a:r>
               <a:rPr lang="fr-MG" dirty="0"/>
-              <a:t>La documentation (guide de démarrage) se trouve ici : </a:t>
+              <a:t>La documentation (guide de démarrage) se trouve </a:t>
+            </a:r>
+            <a:r>
+              <a:rPr lang="fr-FR" dirty="0"/>
+              <a:t>dans</a:t>
+            </a:r>
+            <a:r>
+              <a:rPr lang="fr-MG" dirty="0"/>
+              <a:t>: </a:t>
             </a:r>
             <a:r>
               <a:rPr lang="fr-MG" dirty="0" err="1"/>
@@ -7596,13 +7629,18 @@
             </a:r>
             <a:r>
               <a:rPr lang="fr-MG" dirty="0"/>
-              <a:t> étape par étape, simplement 👇</a:t>
-            </a:r>
+              <a:t> étape par étape</a:t>
+            </a:r>
+            <a:r>
+              <a:rPr lang="fr-FR" dirty="0"/>
+              <a:t>.</a:t>
+            </a:r>
+            <a:endParaRPr lang="fr-MG" dirty="0"/>
           </a:p>
           <a:p>
             <a:r>
               <a:rPr lang="fr-MG" dirty="0"/>
-              <a:t>✅ 1. Ajouter </a:t>
+              <a:t>1. Ajouter </a:t>
             </a:r>
             <a:r>
               <a:rPr lang="fr-MG" dirty="0" err="1"/>
@@ -7610,13 +7648,25 @@
             </a:r>
             <a:r>
               <a:rPr lang="fr-MG" dirty="0"/>
-              <a:t> à ton projet </a:t>
-            </a:r>
-          </a:p>
-          <a:p>
+              <a:t> </a:t>
+            </a:r>
+            <a:r>
+              <a:rPr lang="fr-FR" dirty="0"/>
+              <a:t>dans le</a:t>
+            </a:r>
+            <a:r>
+              <a:rPr lang="fr-MG" dirty="0"/>
+              <a:t> projet </a:t>
+            </a:r>
+          </a:p>
+          <a:p>
+            <a:r>
+              <a:rPr lang="fr-FR" b="1" dirty="0"/>
+              <a:t>On a </a:t>
+            </a:r>
             <a:r>
               <a:rPr lang="fr-MG" b="1" dirty="0"/>
-              <a:t>Tu as 3 méthodes </a:t>
+              <a:t>3 méthodes </a:t>
             </a:r>
             <a:r>
               <a:rPr lang="fr-MG" dirty="0"/>
@@ -7629,8 +7679,21 @@
             </a:pPr>
             <a:r>
               <a:rPr lang="fr-MG" dirty="0"/>
-              <a:t>🔹 Méthode 1 : via CDN (la plus simple)</a:t>
-            </a:r>
+              <a:t>🔹 Méthode 1 : via CDN (</a:t>
+            </a:r>
+            <a:r>
+              <a:rPr lang="fr-FR" dirty="0"/>
+              <a:t>Content Delivery Network</a:t>
+            </a:r>
+            <a:r>
+              <a:rPr lang="fr-MG" dirty="0"/>
+              <a:t>)</a:t>
+            </a:r>
+            <a:r>
+              <a:rPr lang="fr-FR" dirty="0"/>
+              <a:t> qui est la plus simple</a:t>
+            </a:r>
+            <a:endParaRPr lang="fr-MG" dirty="0"/>
           </a:p>
           <a:p>
             <a:pPr marL="0" indent="0">
@@ -7673,18 +7736,9 @@
   <p:clrMapOvr>
     <a:masterClrMapping/>
   </p:clrMapOvr>
-  <mc:AlternateContent xmlns:mc="http://schemas.openxmlformats.org/markup-compatibility/2006">
-    <mc:Choice xmlns:p15="http://schemas.microsoft.com/office/powerpoint/2012/main" Requires="p15">
-      <p:transition xmlns:p14="http://schemas.microsoft.com/office/powerpoint/2010/main" spd="slow" p14:dur="1250">
-        <p15:prstTrans prst="peelOff"/>
-      </p:transition>
-    </mc:Choice>
-    <mc:Fallback>
-      <p:transition spd="slow">
-        <p:fade/>
-      </p:transition>
-    </mc:Fallback>
-  </mc:AlternateContent>
+  <p:transition spd="slow">
+    <p:wipe/>
+  </p:transition>
 </p:sld>
 </file>
 
@@ -7729,10 +7783,21 @@
         </p:spPr>
         <p:txBody>
           <a:bodyPr>
-            <a:normAutofit lnSpcReduction="10000"/>
+            <a:normAutofit/>
           </a:bodyPr>
           <a:lstStyle/>
           <a:p>
+            <a:pPr marL="0" indent="0">
+              <a:buNone/>
+            </a:pPr>
+            <a:r>
+              <a:rPr lang="fr-FR" sz="2800" dirty="0">
+                <a:solidFill>
+                  <a:srgbClr val="FF0000"/>
+                </a:solidFill>
+              </a:rPr>
+              <a:t>  </a:t>
+            </a:r>
             <a:r>
               <a:rPr lang="fr-MG" sz="2800" dirty="0">
                 <a:solidFill>
@@ -7753,7 +7818,15 @@
           <a:p>
             <a:r>
               <a:rPr lang="fr-MG" sz="2800" dirty="0"/>
-              <a:t>Dans ton fichier index.html, mets ceci dans le &lt;</a:t>
+              <a:t>Dans </a:t>
+            </a:r>
+            <a:r>
+              <a:rPr lang="fr-FR" sz="2800" dirty="0"/>
+              <a:t>le </a:t>
+            </a:r>
+            <a:r>
+              <a:rPr lang="fr-MG" sz="2800" dirty="0"/>
+              <a:t>&lt;</a:t>
             </a:r>
             <a:r>
               <a:rPr lang="fr-MG" sz="2800" dirty="0" err="1"/>
@@ -7761,10 +7834,25 @@
             </a:r>
             <a:r>
               <a:rPr lang="fr-MG" sz="2800" dirty="0"/>
-              <a:t>&gt; :</a:t>
-            </a:r>
-          </a:p>
-          <a:p>
+              <a:t>&gt;</a:t>
+            </a:r>
+            <a:r>
+              <a:rPr lang="fr-FR" sz="2800" dirty="0"/>
+              <a:t> de l’index.html</a:t>
+            </a:r>
+            <a:r>
+              <a:rPr lang="fr-MG" sz="2800" dirty="0"/>
+              <a:t> :</a:t>
+            </a:r>
+          </a:p>
+          <a:p>
+            <a:pPr marL="0" indent="0">
+              <a:buNone/>
+            </a:pPr>
+            <a:r>
+              <a:rPr lang="fr-FR" sz="2800" dirty="0"/>
+              <a:t>   </a:t>
+            </a:r>
             <a:r>
               <a:rPr lang="fr-MG" sz="2800" dirty="0"/>
               <a:t>&lt;!-- </a:t>
@@ -7779,6 +7867,13 @@
             </a:r>
           </a:p>
           <a:p>
+            <a:pPr marL="0" indent="0">
+              <a:buNone/>
+            </a:pPr>
+            <a:r>
+              <a:rPr lang="fr-FR" sz="2800" dirty="0"/>
+              <a:t>     </a:t>
+            </a:r>
             <a:r>
               <a:rPr lang="fr-MG" sz="2800" dirty="0"/>
               <a:t>&lt;</a:t>
@@ -7807,6 +7902,16 @@
               <a:rPr lang="fr-MG" sz="2800" dirty="0"/>
               <a:t>/</a:t>
             </a:r>
+            <a:endParaRPr lang="fr-FR" sz="2800" dirty="0"/>
+          </a:p>
+          <a:p>
+            <a:pPr marL="0" indent="0">
+              <a:buNone/>
+            </a:pPr>
+            <a:r>
+              <a:rPr lang="fr-FR" sz="2800" dirty="0"/>
+              <a:t>                </a:t>
+            </a:r>
             <a:r>
               <a:rPr lang="fr-MG" sz="2800" dirty="0" err="1"/>
               <a:t>materialize</a:t>
@@ -7825,6 +7930,13 @@
             </a:r>
           </a:p>
           <a:p>
+            <a:pPr marL="0" indent="0">
+              <a:buNone/>
+            </a:pPr>
+            <a:r>
+              <a:rPr lang="fr-FR" sz="2800" dirty="0"/>
+              <a:t>  </a:t>
+            </a:r>
             <a:r>
               <a:rPr lang="fr-MG" sz="2800" dirty="0"/>
               <a:t>&lt;!-- </a:t>
@@ -7847,6 +7959,13 @@
             </a:r>
           </a:p>
           <a:p>
+            <a:pPr marL="0" indent="0">
+              <a:buNone/>
+            </a:pPr>
+            <a:r>
+              <a:rPr lang="fr-FR" sz="2800" dirty="0"/>
+              <a:t>    </a:t>
+            </a:r>
             <a:r>
               <a:rPr lang="fr-MG" sz="2800" dirty="0"/>
               <a:t>&lt;</a:t>
@@ -7873,7 +7992,24 @@
             </a:r>
             <a:r>
               <a:rPr lang="fr-MG" sz="2800" dirty="0"/>
-              <a:t>" rel="</a:t>
+              <a:t>" </a:t>
+            </a:r>
+            <a:r>
+              <a:rPr lang="fr-FR" sz="2800" dirty="0"/>
+              <a:t>                     </a:t>
+            </a:r>
+          </a:p>
+          <a:p>
+            <a:pPr marL="0" indent="0">
+              <a:buNone/>
+            </a:pPr>
+            <a:r>
+              <a:rPr lang="fr-FR" sz="2800" dirty="0"/>
+              <a:t>                </a:t>
+            </a:r>
+            <a:r>
+              <a:rPr lang="fr-MG" sz="2800" dirty="0"/>
+              <a:t>rel="</a:t>
             </a:r>
             <a:r>
               <a:rPr lang="fr-MG" sz="2800" dirty="0" err="1"/>
@@ -7885,6 +8021,13 @@
             </a:r>
           </a:p>
           <a:p>
+            <a:pPr marL="0" indent="0">
+              <a:buNone/>
+            </a:pPr>
+            <a:r>
+              <a:rPr lang="fr-FR" sz="2800" dirty="0"/>
+              <a:t>  </a:t>
+            </a:r>
             <a:r>
               <a:rPr lang="fr-MG" sz="2800" dirty="0"/>
               <a:t>&lt;!-- </a:t>
@@ -7899,9 +8042,24 @@
             </a:r>
           </a:p>
           <a:p>
+            <a:pPr marL="0" indent="0">
+              <a:buNone/>
+            </a:pPr>
+            <a:r>
+              <a:rPr lang="fr-FR" sz="2800" dirty="0"/>
+              <a:t>    </a:t>
+            </a:r>
             <a:r>
               <a:rPr lang="fr-MG" sz="2800" dirty="0"/>
-              <a:t>&lt;script src="https://cdnjs.cloudflare.com/ajax/</a:t>
+              <a:t>&lt;</a:t>
+            </a:r>
+            <a:r>
+              <a:rPr lang="fr-MG" sz="2800" dirty="0" err="1"/>
+              <a:t>scriptsrc</a:t>
+            </a:r>
+            <a:r>
+              <a:rPr lang="fr-MG" sz="2800" dirty="0"/>
+              <a:t>="https://cdnjs.cloudflare.com/ajax/</a:t>
             </a:r>
             <a:r>
               <a:rPr lang="fr-MG" sz="2800" dirty="0" err="1"/>
@@ -7919,6 +8077,16 @@
               <a:rPr lang="fr-MG" sz="2800" dirty="0"/>
               <a:t>/1.0.0/</a:t>
             </a:r>
+            <a:endParaRPr lang="fr-FR" sz="2800" dirty="0"/>
+          </a:p>
+          <a:p>
+            <a:pPr marL="0" indent="0">
+              <a:buNone/>
+            </a:pPr>
+            <a:r>
+              <a:rPr lang="fr-FR" sz="2800" dirty="0"/>
+              <a:t>                </a:t>
+            </a:r>
             <a:r>
               <a:rPr lang="fr-MG" sz="2800" dirty="0" err="1"/>
               <a:t>js</a:t>
@@ -7930,8 +8098,20 @@
           </a:p>
           <a:p>
             <a:r>
+              <a:rPr lang="fr-FR" sz="2800" dirty="0"/>
+              <a:t>Après ça, on </a:t>
+            </a:r>
+            <a:r>
               <a:rPr lang="fr-MG" sz="2800" dirty="0"/>
-              <a:t>C'est tout. Tu peux déjà utiliser les classes </a:t>
+              <a:t>peu</a:t>
+            </a:r>
+            <a:r>
+              <a:rPr lang="fr-FR" sz="2800" dirty="0"/>
+              <a:t>t</a:t>
+            </a:r>
+            <a:r>
+              <a:rPr lang="fr-MG" sz="2800" dirty="0"/>
+              <a:t> déjà utiliser les classes </a:t>
             </a:r>
             <a:r>
               <a:rPr lang="fr-MG" sz="2800" dirty="0" err="1"/>
@@ -7954,18 +8134,9 @@
   <p:clrMapOvr>
     <a:masterClrMapping/>
   </p:clrMapOvr>
-  <mc:AlternateContent xmlns:mc="http://schemas.openxmlformats.org/markup-compatibility/2006">
-    <mc:Choice xmlns:p14="http://schemas.microsoft.com/office/powerpoint/2010/main" Requires="p14">
-      <p:transition spd="slow" p14:dur="900">
-        <p14:warp dir="in"/>
-      </p:transition>
-    </mc:Choice>
-    <mc:Fallback>
-      <p:transition spd="slow">
-        <p:fade/>
-      </p:transition>
-    </mc:Fallback>
-  </mc:AlternateContent>
+  <p:transition spd="slow">
+    <p:wipe/>
+  </p:transition>
 </p:sld>
 </file>
 
@@ -8010,13 +8181,13 @@
         </p:spPr>
         <p:txBody>
           <a:bodyPr>
-            <a:normAutofit lnSpcReduction="10000"/>
+            <a:normAutofit fontScale="92500" lnSpcReduction="10000"/>
           </a:bodyPr>
           <a:lstStyle/>
           <a:p>
             <a:r>
-              <a:rPr lang="fr-MG" dirty="0"/>
-              <a:t>✅  </a:t>
+              <a:rPr lang="fr-MG"/>
+              <a:t> </a:t>
             </a:r>
             <a:r>
               <a:rPr lang="fr-MG" u="sng" dirty="0">
@@ -8050,23 +8221,50 @@
           </a:p>
           <a:p>
             <a:r>
+              <a:rPr lang="fr-FR" dirty="0"/>
+              <a:t>U</a:t>
+            </a:r>
+            <a:r>
               <a:rPr lang="fr-MG" dirty="0"/>
-              <a:t>Voici un HTML minimal pour commencer :</a:t>
-            </a:r>
-          </a:p>
-          <a:p>
+              <a:t>n HTML minimal pour commencer :</a:t>
+            </a:r>
+          </a:p>
+          <a:p>
+            <a:pPr marL="0" indent="0">
+              <a:buNone/>
+            </a:pPr>
+            <a:r>
+              <a:rPr lang="fr-FR" dirty="0"/>
+              <a:t>     </a:t>
+            </a:r>
             <a:r>
               <a:rPr lang="fr-MG" dirty="0"/>
               <a:t>&lt;!DOCTYPE html&gt;</a:t>
             </a:r>
-          </a:p>
-          <a:p>
+            <a:endParaRPr lang="fr-FR" dirty="0"/>
+          </a:p>
+          <a:p>
+            <a:pPr marL="0" indent="0">
+              <a:buNone/>
+            </a:pPr>
+            <a:r>
+              <a:rPr lang="fr-FR" dirty="0"/>
+              <a:t>     </a:t>
+            </a:r>
             <a:r>
               <a:rPr lang="fr-MG" dirty="0"/>
               <a:t>&lt;html&gt;</a:t>
             </a:r>
-          </a:p>
-          <a:p>
+            <a:endParaRPr lang="fr-FR" dirty="0"/>
+          </a:p>
+          <a:p>
+            <a:pPr marL="0" indent="0">
+              <a:buNone/>
+            </a:pPr>
+            <a:r>
+              <a:rPr lang="fr-FR" dirty="0"/>
+              <a:t>     </a:t>
+            </a:r>
             <a:r>
               <a:rPr lang="fr-MG" dirty="0"/>
               <a:t>&lt;</a:t>
@@ -8079,79 +8277,250 @@
               <a:rPr lang="fr-MG" dirty="0"/>
               <a:t>&gt;</a:t>
             </a:r>
-          </a:p>
-          <a:p>
+            <a:endParaRPr lang="fr-FR" dirty="0"/>
+          </a:p>
+          <a:p>
+            <a:pPr marL="0" indent="0">
+              <a:buNone/>
+            </a:pPr>
+            <a:r>
+              <a:rPr lang="fr-FR" dirty="0"/>
+              <a:t>        </a:t>
+            </a:r>
+            <a:r>
+              <a:rPr lang="fr-MG" dirty="0"/>
+              <a:t>&lt;</a:t>
+            </a:r>
+            <a:r>
+              <a:rPr lang="fr-MG" dirty="0" err="1"/>
+              <a:t>meta</a:t>
+            </a:r>
+            <a:r>
+              <a:rPr lang="fr-MG" dirty="0"/>
+              <a:t> </a:t>
+            </a:r>
+            <a:r>
+              <a:rPr lang="fr-MG" dirty="0" err="1"/>
+              <a:t>charset</a:t>
+            </a:r>
+            <a:r>
+              <a:rPr lang="fr-MG" dirty="0"/>
+              <a:t>="UTF-8"&gt;</a:t>
+            </a:r>
+          </a:p>
+          <a:p>
+            <a:pPr marL="0" indent="0">
+              <a:buNone/>
+            </a:pPr>
+            <a:r>
+              <a:rPr lang="fr-FR" dirty="0"/>
+              <a:t>      </a:t>
+            </a:r>
             <a:r>
               <a:rPr lang="fr-MG" dirty="0"/>
               <a:t>  &lt;</a:t>
             </a:r>
             <a:r>
               <a:rPr lang="fr-MG" dirty="0" err="1"/>
-              <a:t>meta</a:t>
+              <a:t>title</a:t>
             </a:r>
             <a:r>
               <a:rPr lang="fr-MG" dirty="0"/>
-              <a:t> </a:t>
+              <a:t>&gt;</a:t>
             </a:r>
             <a:r>
               <a:rPr lang="fr-MG" dirty="0" err="1"/>
-              <a:t>charset</a:t>
+              <a:t>Materialize</a:t>
             </a:r>
             <a:r>
               <a:rPr lang="fr-MG" dirty="0"/>
-              <a:t>="UTF-8"&gt;</a:t>
-            </a:r>
-          </a:p>
-          <a:p>
+              <a:t> Test&lt;/</a:t>
+            </a:r>
+            <a:r>
+              <a:rPr lang="fr-MG" dirty="0" err="1"/>
+              <a:t>title</a:t>
+            </a:r>
+            <a:r>
+              <a:rPr lang="fr-MG" dirty="0"/>
+              <a:t>&gt;</a:t>
+            </a:r>
+          </a:p>
+          <a:p>
+            <a:pPr marL="0" indent="0">
+              <a:buNone/>
+            </a:pPr>
+            <a:r>
+              <a:rPr lang="fr-FR" dirty="0"/>
+              <a:t>      </a:t>
+            </a:r>
             <a:r>
               <a:rPr lang="fr-MG" dirty="0"/>
               <a:t>  &lt;</a:t>
             </a:r>
             <a:r>
               <a:rPr lang="fr-MG" dirty="0" err="1"/>
-              <a:t>title</a:t>
+              <a:t>link</a:t>
+            </a:r>
+            <a:r>
+              <a:rPr lang="fr-MG" dirty="0"/>
+              <a:t> rel="</a:t>
+            </a:r>
+            <a:r>
+              <a:rPr lang="fr-MG" dirty="0" err="1"/>
+              <a:t>stylesheet"href</a:t>
+            </a:r>
+            <a:r>
+              <a:rPr lang="fr-MG" dirty="0"/>
+              <a:t>="https://cdnjs.cloudflare.com/ajax/</a:t>
+            </a:r>
+            <a:r>
+              <a:rPr lang="fr-MG" dirty="0" err="1"/>
+              <a:t>libs</a:t>
+            </a:r>
+            <a:r>
+              <a:rPr lang="fr-MG" dirty="0"/>
+              <a:t>/</a:t>
+            </a:r>
+            <a:r>
+              <a:rPr lang="fr-MG" dirty="0" err="1"/>
+              <a:t>materialize</a:t>
+            </a:r>
+            <a:r>
+              <a:rPr lang="fr-MG" dirty="0"/>
+              <a:t>/1.0.0/</a:t>
+            </a:r>
+            <a:r>
+              <a:rPr lang="fr-MG" dirty="0" err="1"/>
+              <a:t>css</a:t>
+            </a:r>
+            <a:r>
+              <a:rPr lang="fr-MG" dirty="0"/>
+              <a:t>/</a:t>
+            </a:r>
+            <a:endParaRPr lang="fr-FR" dirty="0"/>
+          </a:p>
+          <a:p>
+            <a:pPr marL="0" indent="0">
+              <a:buNone/>
+            </a:pPr>
+            <a:r>
+              <a:rPr lang="fr-FR" dirty="0"/>
+              <a:t>                     </a:t>
+            </a:r>
+            <a:r>
+              <a:rPr lang="fr-MG" dirty="0"/>
+              <a:t>materialize.min.css"&gt;</a:t>
+            </a:r>
+          </a:p>
+          <a:p>
+            <a:pPr marL="0" indent="0">
+              <a:buNone/>
+            </a:pPr>
+            <a:r>
+              <a:rPr lang="fr-FR" dirty="0"/>
+              <a:t>    </a:t>
+            </a:r>
+            <a:r>
+              <a:rPr lang="fr-MG" dirty="0"/>
+              <a:t>&lt;/</a:t>
+            </a:r>
+            <a:r>
+              <a:rPr lang="fr-MG" dirty="0" err="1"/>
+              <a:t>head</a:t>
             </a:r>
             <a:r>
               <a:rPr lang="fr-MG" dirty="0"/>
               <a:t>&gt;</a:t>
             </a:r>
+          </a:p>
+          <a:p>
+            <a:pPr marL="0" indent="0">
+              <a:buNone/>
+            </a:pPr>
+            <a:r>
+              <a:rPr lang="fr-FR" dirty="0"/>
+              <a:t>    </a:t>
+            </a:r>
+            <a:r>
+              <a:rPr lang="fr-MG" dirty="0"/>
+              <a:t>&lt;body&gt;</a:t>
+            </a:r>
+            <a:endParaRPr lang="fr-FR" dirty="0"/>
+          </a:p>
+          <a:p>
+            <a:pPr marL="0" indent="0">
+              <a:buNone/>
+            </a:pPr>
+            <a:r>
+              <a:rPr lang="fr-FR" dirty="0"/>
+              <a:t>      </a:t>
+            </a:r>
+            <a:r>
+              <a:rPr lang="fr-MG" dirty="0"/>
+              <a:t> &lt;div class="container"&gt;</a:t>
+            </a:r>
+          </a:p>
+          <a:p>
+            <a:pPr marL="0" indent="0">
+              <a:buNone/>
+            </a:pPr>
+            <a:r>
+              <a:rPr lang="fr-FR" dirty="0"/>
+              <a:t>   </a:t>
+            </a:r>
+            <a:r>
+              <a:rPr lang="fr-MG" dirty="0"/>
+              <a:t>    </a:t>
+            </a:r>
+            <a:r>
+              <a:rPr lang="fr-FR" dirty="0"/>
+              <a:t>    </a:t>
+            </a:r>
+            <a:r>
+              <a:rPr lang="fr-MG" dirty="0"/>
+              <a:t>&lt;h3 class="center-</a:t>
+            </a:r>
+            <a:r>
+              <a:rPr lang="fr-MG" dirty="0" err="1"/>
+              <a:t>align</a:t>
+            </a:r>
+            <a:r>
+              <a:rPr lang="fr-MG" dirty="0"/>
+              <a:t>"&gt;Bienvenue dans </a:t>
+            </a:r>
             <a:r>
               <a:rPr lang="fr-MG" dirty="0" err="1"/>
               <a:t>Materialize</a:t>
             </a:r>
             <a:r>
               <a:rPr lang="fr-MG" dirty="0"/>
-              <a:t> Test&lt;/</a:t>
-            </a:r>
-            <a:r>
-              <a:rPr lang="fr-MG" dirty="0" err="1"/>
-              <a:t>title</a:t>
+              <a:t>&lt;/h3&gt;</a:t>
+            </a:r>
+          </a:p>
+          <a:p>
+            <a:pPr marL="0" indent="0">
+              <a:buNone/>
+            </a:pPr>
+            <a:r>
+              <a:rPr lang="fr-FR" dirty="0"/>
+              <a:t>     </a:t>
             </a:r>
             <a:r>
               <a:rPr lang="fr-MG" dirty="0"/>
-              <a:t>&gt;</a:t>
-            </a:r>
-          </a:p>
-          <a:p>
+              <a:t>  &lt;/div&gt;</a:t>
+            </a:r>
+          </a:p>
+          <a:p>
+            <a:pPr marL="0" indent="0">
+              <a:buNone/>
+            </a:pPr>
+            <a:r>
+              <a:rPr lang="fr-FR" dirty="0"/>
+              <a:t>     </a:t>
+            </a:r>
             <a:r>
               <a:rPr lang="fr-MG" dirty="0"/>
-              <a:t>  &lt;</a:t>
-            </a:r>
-            <a:r>
-              <a:rPr lang="fr-MG" dirty="0" err="1"/>
-              <a:t>link</a:t>
-            </a:r>
-            <a:r>
-              <a:rPr lang="fr-MG" dirty="0"/>
-              <a:t> rel="</a:t>
-            </a:r>
-            <a:r>
-              <a:rPr lang="fr-MG" dirty="0" err="1"/>
-              <a:t>stylesheet</a:t>
-            </a:r>
-            <a:r>
-              <a:rPr lang="fr-MG" dirty="0"/>
-              <a:t>" href="https://cdnjs.cloudflare.com/ajax/</a:t>
+              <a:t>  &lt;script src="https://cdnjs.cloudflare.com/ajax/</a:t>
             </a:r>
             <a:r>
               <a:rPr lang="fr-MG" dirty="0" err="1"/>
@@ -8171,104 +8540,35 @@
             </a:r>
             <a:r>
               <a:rPr lang="fr-MG" dirty="0" err="1"/>
-              <a:t>css</a:t>
-            </a:r>
-            <a:r>
-              <a:rPr lang="fr-MG" dirty="0"/>
-              <a:t>/materialize.min.css"&gt;</a:t>
-            </a:r>
-          </a:p>
-          <a:p>
-            <a:r>
-              <a:rPr lang="fr-MG" dirty="0"/>
-              <a:t>&lt;/</a:t>
-            </a:r>
-            <a:r>
-              <a:rPr lang="fr-MG" dirty="0" err="1"/>
-              <a:t>head</a:t>
-            </a:r>
-            <a:r>
-              <a:rPr lang="fr-MG" dirty="0"/>
-              <a:t>&gt;</a:t>
-            </a:r>
-          </a:p>
-          <a:p>
-            <a:r>
-              <a:rPr lang="fr-MG" dirty="0"/>
-              <a:t>&lt;body&gt;</a:t>
-            </a:r>
-          </a:p>
-          <a:p>
-            <a:r>
-              <a:rPr lang="fr-MG" dirty="0"/>
-              <a:t>  &lt;div class="container"&gt;</a:t>
-            </a:r>
-          </a:p>
-          <a:p>
-            <a:r>
-              <a:rPr lang="fr-MG" dirty="0"/>
-              <a:t>    &lt;h3 class="center-</a:t>
-            </a:r>
-            <a:r>
-              <a:rPr lang="fr-MG" dirty="0" err="1"/>
-              <a:t>align</a:t>
-            </a:r>
-            <a:r>
-              <a:rPr lang="fr-MG" dirty="0"/>
-              <a:t>"&gt;Bienvenue dans </a:t>
-            </a:r>
-            <a:r>
-              <a:rPr lang="fr-MG" dirty="0" err="1"/>
-              <a:t>Materialize</a:t>
-            </a:r>
-            <a:r>
-              <a:rPr lang="fr-MG" dirty="0"/>
-              <a:t>&lt;/h3&gt;</a:t>
-            </a:r>
-          </a:p>
-          <a:p>
-            <a:r>
-              <a:rPr lang="fr-MG" dirty="0"/>
-              <a:t>  &lt;/div&gt;</a:t>
-            </a:r>
-          </a:p>
-          <a:p>
-            <a:r>
-              <a:rPr lang="fr-MG" dirty="0"/>
-              <a:t>  &lt;script src="https://cdnjs.cloudflare.com/ajax/</a:t>
-            </a:r>
-            <a:r>
-              <a:rPr lang="fr-MG" dirty="0" err="1"/>
-              <a:t>libs</a:t>
-            </a:r>
-            <a:r>
-              <a:rPr lang="fr-MG" dirty="0"/>
-              <a:t>/</a:t>
-            </a:r>
-            <a:r>
-              <a:rPr lang="fr-MG" dirty="0" err="1"/>
-              <a:t>materialize</a:t>
-            </a:r>
-            <a:r>
-              <a:rPr lang="fr-MG" dirty="0"/>
-              <a:t>/1.0.0/</a:t>
-            </a:r>
-            <a:r>
-              <a:rPr lang="fr-MG" dirty="0" err="1"/>
               <a:t>js</a:t>
             </a:r>
             <a:r>
               <a:rPr lang="fr-MG" dirty="0"/>
               <a:t>/materialize.min.js"&gt;&lt;/script&gt;</a:t>
             </a:r>
-          </a:p>
-          <a:p>
+            <a:endParaRPr lang="fr-FR" dirty="0"/>
+          </a:p>
+          <a:p>
+            <a:pPr marL="0" indent="0">
+              <a:buNone/>
+            </a:pPr>
+            <a:r>
+              <a:rPr lang="fr-FR" dirty="0"/>
+              <a:t>       </a:t>
+            </a:r>
             <a:r>
               <a:rPr lang="fr-MG" dirty="0"/>
               <a:t>&lt;/body&gt;</a:t>
             </a:r>
           </a:p>
           <a:p>
+            <a:pPr marL="0" indent="0">
+              <a:buNone/>
+            </a:pPr>
+            <a:r>
+              <a:rPr lang="fr-FR" dirty="0"/>
+              <a:t>    </a:t>
+            </a:r>
             <a:r>
               <a:rPr lang="fr-MG" dirty="0"/>
               <a:t>&lt;/html&gt;</a:t>
@@ -8286,18 +8586,9 @@
   <p:clrMapOvr>
     <a:masterClrMapping/>
   </p:clrMapOvr>
-  <mc:AlternateContent xmlns:mc="http://schemas.openxmlformats.org/markup-compatibility/2006">
-    <mc:Choice xmlns:p14="http://schemas.microsoft.com/office/powerpoint/2010/main" Requires="p14">
-      <p:transition spd="slow" p14:dur="3400">
-        <p14:reveal/>
-      </p:transition>
-    </mc:Choice>
-    <mc:Fallback>
-      <p:transition spd="slow">
-        <p:fade/>
-      </p:transition>
-    </mc:Fallback>
-  </mc:AlternateContent>
+  <p:transition spd="slow">
+    <p:wipe/>
+  </p:transition>
 </p:sld>
 </file>
 
@@ -8347,10 +8638,6 @@
           <a:lstStyle/>
           <a:p>
             <a:r>
-              <a:rPr lang="fr-MG" dirty="0"/>
-              <a:t>✅ </a:t>
-            </a:r>
-            <a:r>
               <a:rPr lang="fr-MG" sz="2800" u="sng" dirty="0">
                 <a:solidFill>
                   <a:srgbClr val="FF0000"/>
@@ -8373,6 +8660,13 @@
             </a:endParaRPr>
           </a:p>
           <a:p>
+            <a:pPr marL="0" indent="0">
+              <a:buNone/>
+            </a:pPr>
+            <a:r>
+              <a:rPr lang="fr-FR" sz="2800" dirty="0"/>
+              <a:t>   </a:t>
+            </a:r>
             <a:r>
               <a:rPr lang="fr-MG" sz="2800" dirty="0"/>
               <a:t>🔹 </a:t>
@@ -8387,6 +8681,13 @@
             </a:r>
           </a:p>
           <a:p>
+            <a:pPr marL="0" indent="0">
+              <a:buNone/>
+            </a:pPr>
+            <a:r>
+              <a:rPr lang="fr-FR" sz="2800" dirty="0"/>
+              <a:t>       </a:t>
+            </a:r>
             <a:r>
               <a:rPr lang="fr-MG" sz="2800" dirty="0"/>
               <a:t>&lt;a class="</a:t>
@@ -8401,6 +8702,13 @@
             </a:r>
           </a:p>
           <a:p>
+            <a:pPr marL="0" indent="0">
+              <a:buNone/>
+            </a:pPr>
+            <a:r>
+              <a:rPr lang="fr-FR" sz="2800" dirty="0"/>
+              <a:t>       </a:t>
+            </a:r>
             <a:r>
               <a:rPr lang="fr-MG" sz="2800" dirty="0"/>
               <a:t>&lt;a class="</a:t>
@@ -8423,6 +8731,13 @@
             </a:r>
           </a:p>
           <a:p>
+            <a:pPr marL="0" indent="0">
+              <a:buNone/>
+            </a:pPr>
+            <a:r>
+              <a:rPr lang="fr-FR" sz="2800" dirty="0"/>
+              <a:t>   </a:t>
+            </a:r>
             <a:r>
               <a:rPr lang="fr-MG" sz="2800" dirty="0"/>
               <a:t>🔹 </a:t>
@@ -8433,6 +8748,13 @@
             </a:r>
           </a:p>
           <a:p>
+            <a:pPr marL="0" indent="0">
+              <a:buNone/>
+            </a:pPr>
+            <a:r>
+              <a:rPr lang="fr-FR" sz="2800" dirty="0"/>
+              <a:t>       </a:t>
+            </a:r>
             <a:r>
               <a:rPr lang="fr-MG" sz="2800" dirty="0"/>
               <a:t>&lt;div class="</a:t>
@@ -8445,44 +8767,94 @@
               <a:rPr lang="fr-MG" sz="2800" dirty="0"/>
               <a:t>"&gt;</a:t>
             </a:r>
-          </a:p>
-          <a:p>
+            <a:endParaRPr lang="fr-FR" sz="2800" dirty="0"/>
+          </a:p>
+          <a:p>
+            <a:pPr marL="0" indent="0">
+              <a:buNone/>
+            </a:pPr>
+            <a:r>
+              <a:rPr lang="fr-FR" sz="2800" dirty="0"/>
+              <a:t>            </a:t>
+            </a:r>
             <a:r>
               <a:rPr lang="fr-MG" sz="2800" dirty="0"/>
-              <a:t>  &lt;div class="col s12 m6 l4"&gt;Colonne 1&lt;/div&gt;</a:t>
-            </a:r>
-          </a:p>
-          <a:p>
+              <a:t>&lt;div class="col s12 m6 l4"&gt;Colonne 1&lt;/div&gt;</a:t>
+            </a:r>
+          </a:p>
+          <a:p>
+            <a:pPr marL="0" indent="0">
+              <a:buNone/>
+            </a:pPr>
+            <a:r>
+              <a:rPr lang="fr-FR" sz="2800" dirty="0"/>
+              <a:t>           </a:t>
+            </a:r>
             <a:r>
               <a:rPr lang="fr-MG" sz="2800" dirty="0"/>
-              <a:t>  &lt;div class="col s12 m6 l4"&gt;Colonne 2&lt;/div&gt;</a:t>
-            </a:r>
-          </a:p>
-          <a:p>
+              <a:t> &lt;div class="col s12 m6 l4"&gt;Colonne 2&lt;/div&gt;</a:t>
+            </a:r>
+          </a:p>
+          <a:p>
+            <a:pPr marL="0" indent="0">
+              <a:buNone/>
+            </a:pPr>
+            <a:r>
+              <a:rPr lang="fr-FR" sz="2800" dirty="0"/>
+              <a:t>          </a:t>
+            </a:r>
             <a:r>
               <a:rPr lang="fr-MG" sz="2800" dirty="0"/>
               <a:t>  &lt;div class="col s12 m6 l4"&gt;Colonne 3&lt;/div&gt;</a:t>
             </a:r>
           </a:p>
           <a:p>
+            <a:pPr marL="0" indent="0">
+              <a:buNone/>
+            </a:pPr>
+            <a:r>
+              <a:rPr lang="fr-FR" sz="2800" dirty="0"/>
+              <a:t>       </a:t>
+            </a:r>
             <a:r>
               <a:rPr lang="fr-MG" sz="2800" dirty="0"/>
               <a:t>&lt;/div&gt;</a:t>
             </a:r>
           </a:p>
           <a:p>
+            <a:pPr marL="0" indent="0">
+              <a:buNone/>
+            </a:pPr>
+            <a:r>
+              <a:rPr lang="fr-FR" sz="2800" dirty="0"/>
+              <a:t>    </a:t>
+            </a:r>
             <a:r>
               <a:rPr lang="fr-MG" sz="2800" dirty="0"/>
               <a:t>✔ s = mobile</a:t>
             </a:r>
           </a:p>
           <a:p>
+            <a:pPr marL="0" indent="0">
+              <a:buNone/>
+            </a:pPr>
+            <a:r>
+              <a:rPr lang="fr-FR" sz="2800" dirty="0"/>
+              <a:t>    </a:t>
+            </a:r>
             <a:r>
               <a:rPr lang="fr-MG" sz="2800" dirty="0"/>
               <a:t>✔ m = tablette</a:t>
             </a:r>
           </a:p>
           <a:p>
+            <a:pPr marL="0" indent="0">
+              <a:buNone/>
+            </a:pPr>
+            <a:r>
+              <a:rPr lang="fr-FR" sz="2800" dirty="0"/>
+              <a:t>    </a:t>
+            </a:r>
             <a:r>
               <a:rPr lang="fr-MG" sz="2800" dirty="0"/>
               <a:t>✔ l = desktop</a:t>
@@ -8500,18 +8872,9 @@
   <p:clrMapOvr>
     <a:masterClrMapping/>
   </p:clrMapOvr>
-  <mc:AlternateContent xmlns:mc="http://schemas.openxmlformats.org/markup-compatibility/2006">
-    <mc:Choice xmlns:p14="http://schemas.microsoft.com/office/powerpoint/2010/main" Requires="p14">
-      <p:transition spd="slow" p14:dur="2000">
-        <p14:ferris dir="l"/>
-      </p:transition>
-    </mc:Choice>
-    <mc:Fallback>
-      <p:transition spd="slow">
-        <p:fade/>
-      </p:transition>
-    </mc:Fallback>
-  </mc:AlternateContent>
+  <p:transition spd="slow">
+    <p:wipe/>
+  </p:transition>
 </p:sld>
 </file>
 
@@ -8560,6 +8923,13 @@
           </a:bodyPr>
           <a:lstStyle/>
           <a:p>
+            <a:pPr marL="0" indent="0">
+              <a:buNone/>
+            </a:pPr>
+            <a:r>
+              <a:rPr lang="fr-FR" dirty="0"/>
+              <a:t>   </a:t>
+            </a:r>
             <a:r>
               <a:rPr lang="fr-MG" dirty="0"/>
               <a:t>🔹 </a:t>
@@ -8570,6 +8940,13 @@
             </a:r>
           </a:p>
           <a:p>
+            <a:pPr marL="0" indent="0">
+              <a:buNone/>
+            </a:pPr>
+            <a:r>
+              <a:rPr lang="fr-FR" dirty="0"/>
+              <a:t>       </a:t>
+            </a:r>
             <a:r>
               <a:rPr lang="fr-MG" dirty="0"/>
               <a:t>&lt;div class="</a:t>
@@ -8584,6 +8961,113 @@
             </a:r>
           </a:p>
           <a:p>
+            <a:pPr marL="0" indent="0">
+              <a:buNone/>
+            </a:pPr>
+            <a:r>
+              <a:rPr lang="fr-FR" dirty="0"/>
+              <a:t>           </a:t>
+            </a:r>
+            <a:r>
+              <a:rPr lang="fr-MG" dirty="0"/>
+              <a:t>&lt;div class="</a:t>
+            </a:r>
+            <a:r>
+              <a:rPr lang="fr-MG" dirty="0" err="1"/>
+              <a:t>card</a:t>
+            </a:r>
+            <a:r>
+              <a:rPr lang="fr-MG" dirty="0"/>
+              <a:t>-image"&gt;</a:t>
+            </a:r>
+          </a:p>
+          <a:p>
+            <a:pPr marL="0" indent="0">
+              <a:buNone/>
+            </a:pPr>
+            <a:r>
+              <a:rPr lang="fr-FR" dirty="0"/>
+              <a:t>       </a:t>
+            </a:r>
+            <a:r>
+              <a:rPr lang="fr-MG" dirty="0"/>
+              <a:t>    </a:t>
+            </a:r>
+            <a:r>
+              <a:rPr lang="fr-FR" dirty="0"/>
+              <a:t>    </a:t>
+            </a:r>
+            <a:r>
+              <a:rPr lang="fr-MG" dirty="0"/>
+              <a:t>&lt;</a:t>
+            </a:r>
+            <a:r>
+              <a:rPr lang="fr-MG" dirty="0" err="1"/>
+              <a:t>img</a:t>
+            </a:r>
+            <a:r>
+              <a:rPr lang="fr-MG" dirty="0"/>
+              <a:t> src="image.jpg"&gt;</a:t>
+            </a:r>
+          </a:p>
+          <a:p>
+            <a:pPr marL="0" indent="0">
+              <a:buNone/>
+            </a:pPr>
+            <a:r>
+              <a:rPr lang="fr-FR" dirty="0"/>
+              <a:t>           </a:t>
+            </a:r>
+            <a:r>
+              <a:rPr lang="fr-MG" dirty="0"/>
+              <a:t>    &lt;</a:t>
+            </a:r>
+            <a:r>
+              <a:rPr lang="fr-MG" dirty="0" err="1"/>
+              <a:t>span</a:t>
+            </a:r>
+            <a:r>
+              <a:rPr lang="fr-MG" dirty="0"/>
+              <a:t> class="</a:t>
+            </a:r>
+            <a:r>
+              <a:rPr lang="fr-MG" dirty="0" err="1"/>
+              <a:t>card-title</a:t>
+            </a:r>
+            <a:r>
+              <a:rPr lang="fr-MG" dirty="0"/>
+              <a:t>"&gt;Titre&lt;/</a:t>
+            </a:r>
+            <a:r>
+              <a:rPr lang="fr-MG" dirty="0" err="1"/>
+              <a:t>span</a:t>
+            </a:r>
+            <a:r>
+              <a:rPr lang="fr-MG" dirty="0"/>
+              <a:t>&gt;</a:t>
+            </a:r>
+          </a:p>
+          <a:p>
+            <a:pPr marL="0" indent="0">
+              <a:buNone/>
+            </a:pPr>
+            <a:r>
+              <a:rPr lang="fr-FR" dirty="0"/>
+              <a:t>         </a:t>
+            </a:r>
+            <a:r>
+              <a:rPr lang="fr-MG" dirty="0"/>
+              <a:t>  &lt;/div&gt;</a:t>
+            </a:r>
+          </a:p>
+          <a:p>
+            <a:pPr marL="0" indent="0">
+              <a:buNone/>
+            </a:pPr>
+            <a:r>
+              <a:rPr lang="fr-FR" dirty="0"/>
+              <a:t>         </a:t>
+            </a:r>
             <a:r>
               <a:rPr lang="fr-MG" dirty="0"/>
               <a:t>  &lt;div class="</a:t>
@@ -8594,47 +9078,84 @@
             </a:r>
             <a:r>
               <a:rPr lang="fr-MG" dirty="0"/>
-              <a:t>-image"&gt;</a:t>
-            </a:r>
-          </a:p>
-          <a:p>
+              <a:t>-content"&gt;</a:t>
+            </a:r>
+          </a:p>
+          <a:p>
+            <a:pPr marL="0" indent="0">
+              <a:buNone/>
+            </a:pPr>
+            <a:r>
+              <a:rPr lang="fr-FR" dirty="0"/>
+              <a:t>           </a:t>
+            </a:r>
             <a:r>
               <a:rPr lang="fr-MG" dirty="0"/>
-              <a:t>    &lt;</a:t>
+              <a:t>    &lt;p&gt;Du texte dans une carte.&lt;/p&gt;</a:t>
+            </a:r>
+          </a:p>
+          <a:p>
+            <a:pPr marL="0" indent="0">
+              <a:buNone/>
+            </a:pPr>
+            <a:r>
+              <a:rPr lang="fr-FR" dirty="0"/>
+              <a:t>         </a:t>
+            </a:r>
+            <a:r>
+              <a:rPr lang="fr-MG" dirty="0"/>
+              <a:t>  &lt;/div&gt;</a:t>
+            </a:r>
+          </a:p>
+          <a:p>
+            <a:pPr marL="0" indent="0">
+              <a:buNone/>
+            </a:pPr>
+            <a:r>
+              <a:rPr lang="fr-FR" dirty="0"/>
+              <a:t>      </a:t>
+            </a:r>
+            <a:r>
+              <a:rPr lang="fr-MG" dirty="0"/>
+              <a:t>&lt;/div&gt;</a:t>
+            </a:r>
+          </a:p>
+          <a:p>
+            <a:pPr marL="0" indent="0">
+              <a:buNone/>
+            </a:pPr>
+            <a:r>
+              <a:rPr lang="fr-FR" dirty="0"/>
+              <a:t> </a:t>
+            </a:r>
+            <a:r>
+              <a:rPr lang="fr-MG" dirty="0"/>
+              <a:t>🔹 </a:t>
+            </a:r>
+            <a:r>
+              <a:rPr lang="fr-MG" b="1" dirty="0" err="1"/>
+              <a:t>Navbar</a:t>
+            </a:r>
+            <a:r>
+              <a:rPr lang="fr-MG" dirty="0"/>
+              <a:t> :</a:t>
+            </a:r>
+          </a:p>
+          <a:p>
+            <a:pPr marL="0" indent="0">
+              <a:buNone/>
+            </a:pPr>
+            <a:r>
+              <a:rPr lang="fr-FR" dirty="0"/>
+              <a:t>     </a:t>
+            </a:r>
+            <a:r>
+              <a:rPr lang="fr-MG" dirty="0"/>
+              <a:t>&lt;</a:t>
             </a:r>
             <a:r>
               <a:rPr lang="fr-MG" dirty="0" err="1"/>
-              <a:t>img</a:t>
-            </a:r>
-            <a:r>
-              <a:rPr lang="fr-MG" dirty="0"/>
-              <a:t> src="image.jpg"&gt;</a:t>
-            </a:r>
-          </a:p>
-          <a:p>
-            <a:r>
-              <a:rPr lang="fr-MG" dirty="0"/>
-              <a:t>    &lt;</a:t>
-            </a:r>
-            <a:r>
-              <a:rPr lang="fr-MG" dirty="0" err="1"/>
-              <a:t>span</a:t>
-            </a:r>
-            <a:r>
-              <a:rPr lang="fr-MG" dirty="0"/>
-              <a:t> class="</a:t>
-            </a:r>
-            <a:r>
-              <a:rPr lang="fr-MG" dirty="0" err="1"/>
-              <a:t>card-title</a:t>
-            </a:r>
-            <a:r>
-              <a:rPr lang="fr-MG" dirty="0"/>
-              <a:t>"&gt;Titre&lt;/</a:t>
-            </a:r>
-            <a:r>
-              <a:rPr lang="fr-MG" dirty="0" err="1"/>
-              <a:t>span</a:t>
+              <a:t>nav</a:t>
             </a:r>
             <a:r>
               <a:rPr lang="fr-MG" dirty="0"/>
@@ -8642,106 +9163,68 @@
             </a:r>
           </a:p>
           <a:p>
+            <a:pPr marL="0" indent="0">
+              <a:buNone/>
+            </a:pPr>
+            <a:r>
+              <a:rPr lang="fr-FR" dirty="0"/>
+              <a:t>         </a:t>
+            </a:r>
+            <a:r>
+              <a:rPr lang="fr-MG" dirty="0"/>
+              <a:t>&lt;div class="</a:t>
+            </a:r>
+            <a:r>
+              <a:rPr lang="fr-MG" dirty="0" err="1"/>
+              <a:t>nav-wrapper</a:t>
+            </a:r>
+            <a:r>
+              <a:rPr lang="fr-MG" dirty="0"/>
+              <a:t> </a:t>
+            </a:r>
+            <a:r>
+              <a:rPr lang="fr-MG" dirty="0" err="1"/>
+              <a:t>blue</a:t>
+            </a:r>
+            <a:r>
+              <a:rPr lang="fr-MG" dirty="0"/>
+              <a:t>"&gt;</a:t>
+            </a:r>
+          </a:p>
+          <a:p>
+            <a:pPr marL="0" indent="0">
+              <a:buNone/>
+            </a:pPr>
+            <a:r>
+              <a:rPr lang="fr-FR" dirty="0"/>
+              <a:t>         </a:t>
+            </a:r>
+            <a:r>
+              <a:rPr lang="fr-MG" dirty="0"/>
+              <a:t>    &lt;a href="#" class="brand-logo"&gt;Logo&lt;/a&gt;</a:t>
+            </a:r>
+          </a:p>
+          <a:p>
+            <a:pPr marL="0" indent="0">
+              <a:buNone/>
+            </a:pPr>
+            <a:r>
+              <a:rPr lang="fr-FR" dirty="0"/>
+              <a:t>       </a:t>
+            </a:r>
             <a:r>
               <a:rPr lang="fr-MG" dirty="0"/>
               <a:t>  &lt;/div&gt;</a:t>
             </a:r>
           </a:p>
           <a:p>
-            <a:r>
-              <a:rPr lang="fr-MG" dirty="0"/>
-              <a:t>  &lt;div class="</a:t>
-            </a:r>
-            <a:r>
-              <a:rPr lang="fr-MG" dirty="0" err="1"/>
-              <a:t>card</a:t>
-            </a:r>
-            <a:r>
-              <a:rPr lang="fr-MG" dirty="0"/>
-              <a:t>-content"&gt;</a:t>
-            </a:r>
-          </a:p>
-          <a:p>
-            <a:r>
-              <a:rPr lang="fr-MG" dirty="0"/>
-              <a:t>    &lt;p&gt;Du texte dans une carte.&lt;/p&gt;</a:t>
-            </a:r>
-          </a:p>
-          <a:p>
-            <a:r>
-              <a:rPr lang="fr-MG" dirty="0"/>
-              <a:t>  &lt;/div&gt;</a:t>
-            </a:r>
-          </a:p>
-          <a:p>
-            <a:r>
-              <a:rPr lang="fr-MG" dirty="0"/>
-              <a:t>&lt;/div&gt;</a:t>
-            </a:r>
-          </a:p>
-          <a:p>
-            <a:r>
-              <a:rPr lang="fr-MG" dirty="0"/>
-              <a:t>🔹 </a:t>
-            </a:r>
-            <a:r>
-              <a:rPr lang="fr-MG" b="1" dirty="0" err="1"/>
-              <a:t>Navbar</a:t>
-            </a:r>
-            <a:r>
-              <a:rPr lang="fr-MG" dirty="0"/>
-              <a:t> :</a:t>
-            </a:r>
-          </a:p>
-          <a:p>
-            <a:r>
-              <a:rPr lang="fr-MG" dirty="0"/>
-              <a:t>&lt;</a:t>
-            </a:r>
-            <a:r>
-              <a:rPr lang="fr-MG" dirty="0" err="1"/>
-              <a:t>nav</a:t>
-            </a:r>
-            <a:r>
-              <a:rPr lang="fr-MG" dirty="0"/>
-              <a:t>&gt;</a:t>
-            </a:r>
-          </a:p>
-          <a:p>
-            <a:r>
-              <a:rPr lang="fr-MG" dirty="0"/>
-              <a:t>  &lt;div class="</a:t>
-            </a:r>
-            <a:r>
-              <a:rPr lang="fr-MG" dirty="0" err="1"/>
-              <a:t>nav-wrapper</a:t>
-            </a:r>
-            <a:r>
-              <a:rPr lang="fr-MG" dirty="0"/>
-              <a:t> </a:t>
-            </a:r>
-            <a:r>
-              <a:rPr lang="fr-MG" dirty="0" err="1"/>
-              <a:t>blue</a:t>
-            </a:r>
-            <a:r>
-              <a:rPr lang="fr-MG" dirty="0"/>
-              <a:t>"&gt;</a:t>
-            </a:r>
-          </a:p>
-          <a:p>
-            <a:r>
-              <a:rPr lang="fr-MG" dirty="0"/>
-              <a:t>    &lt;a href="#" class="brand-logo"&gt;Logo&lt;/a&gt;</a:t>
-            </a:r>
-          </a:p>
-          <a:p>
-            <a:r>
-              <a:rPr lang="fr-MG" dirty="0"/>
-              <a:t>  &lt;/div&gt;</a:t>
-            </a:r>
-          </a:p>
-          <a:p>
+            <a:pPr marL="0" indent="0">
+              <a:buNone/>
+            </a:pPr>
+            <a:r>
+              <a:rPr lang="fr-FR" dirty="0"/>
+              <a:t>     </a:t>
+            </a:r>
             <a:r>
               <a:rPr lang="fr-MG" dirty="0"/>
               <a:t>&lt;/</a:t>
@@ -8813,12 +9296,39 @@
           </a:xfrm>
         </p:spPr>
         <p:txBody>
-          <a:bodyPr/>
+          <a:bodyPr>
+            <a:normAutofit fontScale="92500" lnSpcReduction="10000"/>
+          </a:bodyPr>
           <a:lstStyle/>
           <a:p>
+            <a:pPr marL="0" indent="0">
+              <a:buNone/>
+            </a:pPr>
             <a:r>
               <a:rPr lang="fr-FR" dirty="0"/>
-              <a:t>&lt;</a:t>
+              <a:t>    </a:t>
+            </a:r>
+            <a:r>
+              <a:rPr lang="fr-MG" dirty="0"/>
+              <a:t>🔹 </a:t>
+            </a:r>
+            <a:r>
+              <a:rPr lang="fr-FR" b="1" dirty="0" err="1"/>
+              <a:t>Footer</a:t>
+            </a:r>
+            <a:r>
+              <a:rPr lang="fr-MG" dirty="0"/>
+              <a:t>:</a:t>
+            </a:r>
+            <a:endParaRPr lang="fr-FR" dirty="0"/>
+          </a:p>
+          <a:p>
+            <a:pPr marL="0" indent="0">
+              <a:buNone/>
+            </a:pPr>
+            <a:r>
+              <a:rPr lang="fr-FR" dirty="0"/>
+              <a:t>   &lt;</a:t>
             </a:r>
             <a:r>
               <a:rPr lang="fr-FR" dirty="0" err="1"/>
@@ -8846,146 +9356,188 @@
             </a:r>
           </a:p>
           <a:p>
+            <a:pPr marL="0" indent="0">
+              <a:buNone/>
+            </a:pPr>
             <a:r>
               <a:rPr lang="fr-FR" dirty="0"/>
-              <a:t>    &lt;div class="container"&gt;</a:t>
-            </a:r>
-          </a:p>
-          <a:p>
+              <a:t>        &lt;div class="container"&gt;</a:t>
+            </a:r>
+          </a:p>
+          <a:p>
+            <a:pPr marL="0" indent="0">
+              <a:buNone/>
+            </a:pPr>
+            <a:r>
+              <a:rPr lang="fr-FR" dirty="0"/>
+              <a:t>            &lt;div class="</a:t>
+            </a:r>
+            <a:r>
+              <a:rPr lang="fr-FR" dirty="0" err="1"/>
+              <a:t>row</a:t>
+            </a:r>
+            <a:r>
+              <a:rPr lang="fr-FR" dirty="0"/>
+              <a:t>"&gt;</a:t>
+            </a:r>
+          </a:p>
+          <a:p>
+            <a:pPr marL="0" indent="0">
+              <a:buNone/>
+            </a:pPr>
+            <a:r>
+              <a:rPr lang="fr-FR" dirty="0"/>
+              <a:t>                &lt;div class="col s12"&gt;</a:t>
+            </a:r>
+          </a:p>
+          <a:p>
+            <a:pPr marL="0" indent="0">
+              <a:buNone/>
+            </a:pPr>
+            <a:r>
+              <a:rPr lang="fr-FR" dirty="0"/>
+              <a:t>                     &lt;h5 class="white-</a:t>
+            </a:r>
+            <a:r>
+              <a:rPr lang="fr-FR" dirty="0" err="1"/>
+              <a:t>text</a:t>
+            </a:r>
+            <a:r>
+              <a:rPr lang="fr-FR" dirty="0"/>
+              <a:t>"&gt;Mon </a:t>
+            </a:r>
+            <a:r>
+              <a:rPr lang="fr-FR" dirty="0" err="1"/>
+              <a:t>Footer</a:t>
+            </a:r>
+            <a:r>
+              <a:rPr lang="fr-FR" dirty="0"/>
+              <a:t>&lt;/h5&gt;</a:t>
+            </a:r>
+          </a:p>
+          <a:p>
+            <a:pPr marL="0" indent="0">
+              <a:buNone/>
+            </a:pPr>
+            <a:r>
+              <a:rPr lang="fr-FR" dirty="0"/>
+              <a:t>                     &lt;p class="</a:t>
+            </a:r>
+            <a:r>
+              <a:rPr lang="fr-FR" dirty="0" err="1"/>
+              <a:t>grey-text</a:t>
+            </a:r>
+            <a:r>
+              <a:rPr lang="fr-FR" dirty="0"/>
+              <a:t> text-lighten-4"&gt;Ceci est un </a:t>
+            </a:r>
+            <a:r>
+              <a:rPr lang="fr-FR" dirty="0" err="1"/>
+              <a:t>footer</a:t>
+            </a:r>
+            <a:r>
+              <a:rPr lang="fr-FR" dirty="0"/>
+              <a:t> en </a:t>
+            </a:r>
+            <a:r>
+              <a:rPr lang="fr-FR" dirty="0" err="1"/>
+              <a:t>Materialize</a:t>
+            </a:r>
+            <a:r>
+              <a:rPr lang="fr-FR" dirty="0"/>
+              <a:t>.&lt;/p&gt;</a:t>
+            </a:r>
+          </a:p>
+          <a:p>
+            <a:pPr marL="0" indent="0">
+              <a:buNone/>
+            </a:pPr>
+            <a:r>
+              <a:rPr lang="fr-FR" dirty="0"/>
+              <a:t>               &lt;/div&gt;</a:t>
+            </a:r>
+          </a:p>
+          <a:p>
+            <a:pPr marL="0" indent="0">
+              <a:buNone/>
+            </a:pPr>
+            <a:r>
+              <a:rPr lang="fr-FR" dirty="0"/>
+              <a:t>            &lt;/div&gt;</a:t>
+            </a:r>
+          </a:p>
+          <a:p>
+            <a:pPr marL="0" indent="0">
+              <a:buNone/>
+            </a:pPr>
+            <a:r>
+              <a:rPr lang="fr-FR" dirty="0"/>
+              <a:t>        &lt;/div&gt;</a:t>
+            </a:r>
+          </a:p>
+          <a:p>
+            <a:endParaRPr lang="fr-FR" dirty="0"/>
+          </a:p>
+          <a:p>
+            <a:pPr marL="0" indent="0">
+              <a:buNone/>
+            </a:pPr>
             <a:r>
               <a:rPr lang="fr-FR" dirty="0"/>
               <a:t>        &lt;div class="</a:t>
             </a:r>
             <a:r>
               <a:rPr lang="fr-FR" dirty="0" err="1"/>
-              <a:t>row</a:t>
+              <a:t>footer</a:t>
             </a:r>
             <a:r>
               <a:rPr lang="fr-FR" dirty="0"/>
-              <a:t>"&gt;</a:t>
-            </a:r>
-          </a:p>
-          <a:p>
+              <a:t>-copy­right"&gt;</a:t>
+            </a:r>
+          </a:p>
+          <a:p>
+            <a:pPr marL="0" indent="0">
+              <a:buNone/>
+            </a:pPr>
             <a:r>
               <a:rPr lang="fr-FR" dirty="0"/>
-              <a:t>            &lt;div class="col s12"&gt;</a:t>
-            </a:r>
-          </a:p>
-          <a:p>
+              <a:t>            &lt;div class="container"&gt;</a:t>
+            </a:r>
+          </a:p>
+          <a:p>
+            <a:pPr marL="0" indent="0">
+              <a:buNone/>
+            </a:pPr>
             <a:r>
               <a:rPr lang="fr-FR" dirty="0"/>
-              <a:t>                &lt;h5 class="white-</a:t>
-            </a:r>
-            <a:r>
-              <a:rPr lang="fr-FR" dirty="0" err="1"/>
-              <a:t>text</a:t>
-            </a:r>
-            <a:r>
-              <a:rPr lang="fr-FR" dirty="0"/>
-              <a:t>"&gt;Mon </a:t>
-            </a:r>
-            <a:r>
-              <a:rPr lang="fr-FR" dirty="0" err="1"/>
-              <a:t>Footer</a:t>
-            </a:r>
-            <a:r>
-              <a:rPr lang="fr-FR" dirty="0"/>
-              <a:t>&lt;/h5&gt;</a:t>
-            </a:r>
-          </a:p>
-          <a:p>
-            <a:r>
-              <a:rPr lang="fr-FR" dirty="0"/>
-              <a:t>                &lt;p class="</a:t>
-            </a:r>
-            <a:r>
-              <a:rPr lang="fr-FR" dirty="0" err="1"/>
-              <a:t>grey-text</a:t>
-            </a:r>
-            <a:r>
-              <a:rPr lang="fr-FR" dirty="0"/>
-              <a:t> text-lighten-4"&gt;Ceci est un </a:t>
-            </a:r>
-            <a:r>
-              <a:rPr lang="fr-FR" dirty="0" err="1"/>
-              <a:t>footer</a:t>
-            </a:r>
-            <a:r>
-              <a:rPr lang="fr-FR" dirty="0"/>
-              <a:t> en </a:t>
-            </a:r>
-            <a:r>
-              <a:rPr lang="fr-FR" dirty="0" err="1"/>
-              <a:t>Materialize</a:t>
-            </a:r>
-            <a:r>
-              <a:rPr lang="fr-FR" dirty="0"/>
-              <a:t>.&lt;/p&gt;</a:t>
-            </a:r>
-          </a:p>
-          <a:p>
+              <a:t>                 © 2025 Mon Site</a:t>
+            </a:r>
+          </a:p>
+          <a:p>
+            <a:pPr marL="0" indent="0">
+              <a:buNone/>
+            </a:pPr>
             <a:r>
               <a:rPr lang="fr-FR" dirty="0"/>
               <a:t>            &lt;/div&gt;</a:t>
             </a:r>
           </a:p>
           <a:p>
+            <a:pPr marL="0" indent="0">
+              <a:buNone/>
+            </a:pPr>
             <a:r>
               <a:rPr lang="fr-FR" dirty="0"/>
               <a:t>        &lt;/div&gt;</a:t>
             </a:r>
           </a:p>
           <a:p>
+            <a:pPr marL="0" indent="0">
+              <a:buNone/>
+            </a:pPr>
             <a:r>
               <a:rPr lang="fr-FR" dirty="0"/>
-              <a:t>    &lt;/div&gt;</a:t>
-            </a:r>
-          </a:p>
-          <a:p>
-            <a:endParaRPr lang="fr-FR" dirty="0"/>
-          </a:p>
-          <a:p>
-            <a:r>
-              <a:rPr lang="fr-FR" dirty="0"/>
-              <a:t>    &lt;div class="</a:t>
-            </a:r>
-            <a:r>
-              <a:rPr lang="fr-FR" dirty="0" err="1"/>
-              <a:t>footer</a:t>
-            </a:r>
-            <a:r>
-              <a:rPr lang="fr-FR" dirty="0"/>
-              <a:t>-copy­right"&gt;</a:t>
-            </a:r>
-          </a:p>
-          <a:p>
-            <a:r>
-              <a:rPr lang="fr-FR" dirty="0"/>
-              <a:t>        &lt;div class="container"&gt;</a:t>
-            </a:r>
-          </a:p>
-          <a:p>
-            <a:r>
-              <a:rPr lang="fr-FR" dirty="0"/>
-              <a:t>            © 2025 Mon Site</a:t>
-            </a:r>
-          </a:p>
-          <a:p>
-            <a:r>
-              <a:rPr lang="fr-FR" dirty="0"/>
-              <a:t>        &lt;/div&gt;</a:t>
-            </a:r>
-          </a:p>
-          <a:p>
-            <a:r>
-              <a:rPr lang="fr-FR" dirty="0"/>
-              <a:t>    &lt;/div&gt;</a:t>
-            </a:r>
-          </a:p>
-          <a:p>
-            <a:r>
-              <a:rPr lang="fr-FR" dirty="0"/>
-              <a:t>&lt;/</a:t>
+              <a:t>   &lt;/</a:t>
             </a:r>
             <a:r>
               <a:rPr lang="fr-FR" dirty="0" err="1"/>
@@ -9015,7 +9567,7 @@
     <a:masterClrMapping/>
   </p:clrMapOvr>
   <p:transition spd="slow">
-    <p:wheel spokes="1"/>
+    <p:wipe/>
   </p:transition>
 </p:sld>
 </file>

--- a/Materialize (framework).pptx
+++ b/Materialize (framework).pptx
@@ -125,7 +125,7 @@
   <pc:docChgLst>
     <pc:chgData name="fandresena misaina" userId="4469e9f1526a7283" providerId="LiveId" clId="{6D973C92-342B-4716-B7A3-352B80A52777}"/>
     <pc:docChg chg="undo custSel addSld delSld modSld">
-      <pc:chgData name="fandresena misaina" userId="4469e9f1526a7283" providerId="LiveId" clId="{6D973C92-342B-4716-B7A3-352B80A52777}" dt="2025-11-26T07:34:49.438" v="1416" actId="20577"/>
+      <pc:chgData name="fandresena misaina" userId="4469e9f1526a7283" providerId="LiveId" clId="{6D973C92-342B-4716-B7A3-352B80A52777}" dt="2025-11-26T07:39:41.537" v="1435" actId="20577"/>
       <pc:docMkLst>
         <pc:docMk/>
       </pc:docMkLst>
@@ -259,13 +259,13 @@
         </pc:spChg>
       </pc:sldChg>
       <pc:sldChg chg="delSp modSp new mod modTransition">
-        <pc:chgData name="fandresena misaina" userId="4469e9f1526a7283" providerId="LiveId" clId="{6D973C92-342B-4716-B7A3-352B80A52777}" dt="2025-11-26T07:18:39.122" v="952" actId="20577"/>
+        <pc:chgData name="fandresena misaina" userId="4469e9f1526a7283" providerId="LiveId" clId="{6D973C92-342B-4716-B7A3-352B80A52777}" dt="2025-11-26T07:39:41.537" v="1435" actId="20577"/>
         <pc:sldMkLst>
           <pc:docMk/>
           <pc:sldMk cId="3920725116" sldId="263"/>
         </pc:sldMkLst>
         <pc:spChg chg="mod">
-          <ac:chgData name="fandresena misaina" userId="4469e9f1526a7283" providerId="LiveId" clId="{6D973C92-342B-4716-B7A3-352B80A52777}" dt="2025-11-26T07:18:39.122" v="952" actId="20577"/>
+          <ac:chgData name="fandresena misaina" userId="4469e9f1526a7283" providerId="LiveId" clId="{6D973C92-342B-4716-B7A3-352B80A52777}" dt="2025-11-26T07:39:41.537" v="1435" actId="20577"/>
           <ac:spMkLst>
             <pc:docMk/>
             <pc:sldMk cId="3920725116" sldId="263"/>
@@ -274,7 +274,7 @@
         </pc:spChg>
       </pc:sldChg>
       <pc:sldChg chg="delSp modSp new mod modTransition">
-        <pc:chgData name="fandresena misaina" userId="4469e9f1526a7283" providerId="LiveId" clId="{6D973C92-342B-4716-B7A3-352B80A52777}" dt="2025-11-26T07:34:10.096" v="1412"/>
+        <pc:chgData name="fandresena misaina" userId="4469e9f1526a7283" providerId="LiveId" clId="{6D973C92-342B-4716-B7A3-352B80A52777}" dt="2025-11-26T07:39:14.494" v="1430" actId="20577"/>
         <pc:sldMkLst>
           <pc:docMk/>
           <pc:sldMk cId="370129303" sldId="264"/>
@@ -288,7 +288,7 @@
           </ac:spMkLst>
         </pc:spChg>
         <pc:spChg chg="mod">
-          <ac:chgData name="fandresena misaina" userId="4469e9f1526a7283" providerId="LiveId" clId="{6D973C92-342B-4716-B7A3-352B80A52777}" dt="2025-11-26T07:31:01.524" v="1405" actId="20577"/>
+          <ac:chgData name="fandresena misaina" userId="4469e9f1526a7283" providerId="LiveId" clId="{6D973C92-342B-4716-B7A3-352B80A52777}" dt="2025-11-26T07:39:14.494" v="1430" actId="20577"/>
           <ac:spMkLst>
             <pc:docMk/>
             <pc:sldMk cId="370129303" sldId="264"/>
@@ -8186,7 +8186,7 @@
           <a:lstStyle/>
           <a:p>
             <a:r>
-              <a:rPr lang="fr-MG"/>
+              <a:rPr lang="fr-MG" dirty="0"/>
               <a:t> </a:t>
             </a:r>
             <a:r>
@@ -9091,7 +9091,19 @@
             </a:r>
             <a:r>
               <a:rPr lang="fr-MG" dirty="0"/>
-              <a:t>    &lt;p&gt;Du texte dans une carte.&lt;/p&gt;</a:t>
+              <a:t>    &lt;p&gt;</a:t>
+            </a:r>
+            <a:r>
+              <a:rPr lang="fr-FR" dirty="0"/>
+              <a:t>T</a:t>
+            </a:r>
+            <a:r>
+              <a:rPr lang="fr-MG" dirty="0" err="1"/>
+              <a:t>exte</a:t>
+            </a:r>
+            <a:r>
+              <a:rPr lang="fr-MG" dirty="0"/>
+              <a:t> dans une carte.&lt;/p&gt;</a:t>
             </a:r>
           </a:p>
           <a:p>
@@ -9429,11 +9441,11 @@
             </a:r>
             <a:r>
               <a:rPr lang="fr-FR" dirty="0"/>
-              <a:t> text-lighten-4"&gt;Ceci est un </a:t>
+              <a:t> text-lighten-4"&gt;</a:t>
             </a:r>
             <a:r>
               <a:rPr lang="fr-FR" dirty="0" err="1"/>
-              <a:t>footer</a:t>
+              <a:t>Footer</a:t>
             </a:r>
             <a:r>
               <a:rPr lang="fr-FR" dirty="0"/>
